--- a/18 - Descrição dos Processo de Negocio.pptx
+++ b/18 - Descrição dos Processo de Negocio.pptx
@@ -8,6 +8,10 @@
     <p:sldId id="256" r:id="rId3"/>
     <p:sldId id="257" r:id="rId4"/>
     <p:sldId id="258" r:id="rId5"/>
+    <p:sldId id="259" r:id="rId6"/>
+    <p:sldId id="260" r:id="rId7"/>
+    <p:sldId id="261" r:id="rId8"/>
+    <p:sldId id="262" r:id="rId9"/>
   </p:sldIdLst>
   <p:sldSz cx="10080625" cy="5670550"/>
   <p:notesSz cx="7559675" cy="10691812"/>
@@ -1656,7 +1660,7 @@
         <p:spPr>
           <a:xfrm>
             <a:off x="360000" y="527760"/>
-            <a:ext cx="9880200" cy="4008240"/>
+            <a:ext cx="9879840" cy="4007880"/>
           </a:xfrm>
           <a:prstGeom prst="rect">
             <a:avLst/>
@@ -1711,7 +1715,7 @@
                 <a:latin typeface="Arial"/>
                 <a:ea typeface="DejaVu Sans"/>
               </a:rPr>
-              <a:t>Alugar Terno</a:t>
+              <a:t>Locar Traje a Rigor</a:t>
             </a:r>
             <a:endParaRPr b="0" lang="pt-BR" sz="1600" spc="-1" strike="noStrike">
               <a:latin typeface="Arial"/>
@@ -1751,7 +1755,7 @@
                 <a:latin typeface="Arial"/>
                 <a:ea typeface="DejaVu Sans"/>
               </a:rPr>
-              <a:t>Cliente é atendido</a:t>
+              <a:t>Cliente solicita Traje a Rigor.</a:t>
             </a:r>
             <a:endParaRPr b="0" lang="pt-BR" sz="1600" spc="-1" strike="noStrike">
               <a:latin typeface="Arial"/>
@@ -1781,7 +1785,7 @@
                 <a:latin typeface="Arial"/>
                 <a:ea typeface="DejaVu Sans"/>
               </a:rPr>
-              <a:t>Objetivo: Atender os</a:t>
+              <a:t>Objetivo: </a:t>
             </a:r>
             <a:r>
               <a:rPr b="0" lang="pt-BR" sz="1600" spc="-1" strike="noStrike">
@@ -1791,7 +1795,17 @@
                 <a:latin typeface="Arial"/>
                 <a:ea typeface="DejaVu Sans"/>
               </a:rPr>
-              <a:t> pedidos realizados pelo cliente.</a:t>
+              <a:t>Solicitar os pedidos realizados pelo cliente</a:t>
+            </a:r>
+            <a:r>
+              <a:rPr b="0" lang="pt-BR" sz="1600" spc="-1" strike="noStrike">
+                <a:solidFill>
+                  <a:srgbClr val="000000"/>
+                </a:solidFill>
+                <a:latin typeface="Arial"/>
+                <a:ea typeface="DejaVu Sans"/>
+              </a:rPr>
+              <a:t>.</a:t>
             </a:r>
             <a:endParaRPr b="0" lang="pt-BR" sz="1600" spc="-1" strike="noStrike">
               <a:latin typeface="Arial"/>
@@ -1843,16 +1857,6 @@
                 <a:spcPct val="100000"/>
               </a:lnSpc>
             </a:pPr>
-            <a:endParaRPr b="0" lang="pt-BR" sz="1600" spc="-1" strike="noStrike">
-              <a:latin typeface="Arial"/>
-            </a:endParaRPr>
-          </a:p>
-          <a:p>
-            <a:pPr>
-              <a:lnSpc>
-                <a:spcPct val="100000"/>
-              </a:lnSpc>
-            </a:pPr>
             <a:r>
               <a:rPr b="0" lang="pt-BR" sz="1600" spc="-1" strike="noStrike">
                 <a:solidFill>
@@ -1861,7 +1865,67 @@
                 <a:latin typeface="Calibri"/>
                 <a:ea typeface="DejaVu Sans"/>
               </a:rPr>
-              <a:t>- Cliente informa as preferências e solicita um terno.</a:t>
+              <a:t>- Cliente informa as preferências e solicita um Traje a Rigor.</a:t>
+            </a:r>
+            <a:endParaRPr b="0" lang="pt-BR" sz="1600" spc="-1" strike="noStrike">
+              <a:latin typeface="Arial"/>
+            </a:endParaRPr>
+          </a:p>
+          <a:p>
+            <a:pPr>
+              <a:lnSpc>
+                <a:spcPct val="100000"/>
+              </a:lnSpc>
+            </a:pPr>
+            <a:endParaRPr b="0" lang="pt-BR" sz="1600" spc="-1" strike="noStrike">
+              <a:latin typeface="Arial"/>
+            </a:endParaRPr>
+          </a:p>
+          <a:p>
+            <a:pPr>
+              <a:lnSpc>
+                <a:spcPct val="100000"/>
+              </a:lnSpc>
+            </a:pPr>
+            <a:r>
+              <a:rPr b="0" lang="pt-BR" sz="1600" spc="-1" strike="noStrike">
+                <a:solidFill>
+                  <a:srgbClr val="000000"/>
+                </a:solidFill>
+                <a:latin typeface="Calibri"/>
+                <a:ea typeface="DejaVu Sans"/>
+              </a:rPr>
+              <a:t>- Atendente apresenta as opções disponíveis</a:t>
+            </a:r>
+            <a:endParaRPr b="0" lang="pt-BR" sz="1600" spc="-1" strike="noStrike">
+              <a:latin typeface="Arial"/>
+            </a:endParaRPr>
+          </a:p>
+          <a:p>
+            <a:pPr>
+              <a:lnSpc>
+                <a:spcPct val="100000"/>
+              </a:lnSpc>
+            </a:pPr>
+            <a:endParaRPr b="0" lang="pt-BR" sz="1600" spc="-1" strike="noStrike">
+              <a:latin typeface="Arial"/>
+            </a:endParaRPr>
+          </a:p>
+          <a:p>
+            <a:pPr>
+              <a:lnSpc>
+                <a:spcPct val="100000"/>
+              </a:lnSpc>
+            </a:pPr>
+            <a:r>
+              <a:rPr b="0" lang="pt-BR" sz="1600" spc="-1" strike="noStrike">
+                <a:solidFill>
+                  <a:srgbClr val="000000"/>
+                </a:solidFill>
+                <a:latin typeface="Calibri"/>
+                <a:ea typeface="DejaVu Sans"/>
+              </a:rPr>
+              <a:t>- Caso necessário, atendente tira as medidas do cliente e preenche a ficha de medidas.</a:t>
             </a:r>
             <a:endParaRPr b="0" lang="pt-BR" sz="1600" spc="-1" strike="noStrike">
               <a:latin typeface="Arial"/>
@@ -1938,7 +2002,7 @@
         <p:spPr>
           <a:xfrm>
             <a:off x="343800" y="432000"/>
-            <a:ext cx="9880200" cy="4374000"/>
+            <a:ext cx="9879840" cy="4373640"/>
           </a:xfrm>
           <a:prstGeom prst="rect">
             <a:avLst/>
@@ -1993,7 +2057,7 @@
                 <a:latin typeface="Arial"/>
                 <a:ea typeface="DejaVu Sans"/>
               </a:rPr>
-              <a:t>Ajustar Terno</a:t>
+              <a:t>Locar Traje a Rigor</a:t>
             </a:r>
             <a:endParaRPr b="0" lang="pt-BR" sz="1600" spc="-1" strike="noStrike">
               <a:latin typeface="Arial"/>
@@ -2033,7 +2097,7 @@
                 <a:latin typeface="Arial"/>
                 <a:ea typeface="DejaVu Sans"/>
               </a:rPr>
-              <a:t>Terno é Ajustado</a:t>
+              <a:t>Cliente entrega contrato + pagamento em dinheiro</a:t>
             </a:r>
             <a:endParaRPr b="0" lang="pt-BR" sz="1600" spc="-1" strike="noStrike">
               <a:latin typeface="Arial"/>
@@ -2073,7 +2137,7 @@
                 <a:latin typeface="Arial"/>
                 <a:ea typeface="DejaVu Sans"/>
               </a:rPr>
-              <a:t>Ajustar terno conforme ficha de medidas.</a:t>
+              <a:t>Solicitar contrato de locação assinado e pagamento</a:t>
             </a:r>
             <a:endParaRPr b="0" lang="pt-BR" sz="1600" spc="-1" strike="noStrike">
               <a:latin typeface="Arial"/>
@@ -2115,19 +2179,7 @@
                 <a:spcPct val="100000"/>
               </a:lnSpc>
             </a:pPr>
-            <a:endParaRPr b="0" lang="pt-BR" sz="1600" spc="-1" strike="noStrike">
-              <a:latin typeface="Arial"/>
-            </a:endParaRPr>
-          </a:p>
-          <a:p>
-            <a:pPr>
-              <a:lnSpc>
-                <a:spcPct val="90000"/>
-              </a:lnSpc>
-              <a:spcBef>
-                <a:spcPts val="1001"/>
-              </a:spcBef>
-            </a:pPr>
+            <a:br/>
             <a:r>
               <a:rPr b="0" lang="pt-BR" sz="1600" spc="-1" strike="noStrike">
                 <a:solidFill>
@@ -2136,7 +2188,7 @@
                 <a:latin typeface="Calibri"/>
                 <a:ea typeface="DejaVu Sans"/>
               </a:rPr>
-              <a:t>- Verificar se as medidas correspondem ao terno.</a:t>
+              <a:t>- Cliente assina contrato de locação.</a:t>
             </a:r>
             <a:br/>
             <a:br/>
@@ -2148,32 +2200,9 @@
                 <a:latin typeface="Calibri"/>
                 <a:ea typeface="DejaVu Sans"/>
               </a:rPr>
-              <a:t>- Faz os ajustes necessários</a:t>
+              <a:t>- Cliente verifica valores para serem pagos</a:t>
             </a:r>
             <a:br/>
-            <a:br/>
-            <a:r>
-              <a:rPr b="0" lang="pt-BR" sz="1600" spc="-1" strike="noStrike">
-                <a:solidFill>
-                  <a:srgbClr val="000000"/>
-                </a:solidFill>
-                <a:latin typeface="Calibri"/>
-                <a:ea typeface="DejaVu Sans"/>
-              </a:rPr>
-              <a:t>- Atualizar a ficha de medidas com detalhes da fatura.</a:t>
-            </a:r>
-            <a:br/>
-            <a:br/>
-            <a:r>
-              <a:rPr b="0" lang="pt-BR" sz="1600" spc="-1" strike="noStrike">
-                <a:solidFill>
-                  <a:srgbClr val="000000"/>
-                </a:solidFill>
-                <a:latin typeface="Calibri"/>
-                <a:ea typeface="DejaVu Sans"/>
-              </a:rPr>
-              <a:t>- Entrega a ficha para o cliente.</a:t>
-            </a:r>
             <a:endParaRPr b="0" lang="pt-BR" sz="1600" spc="-1" strike="noStrike">
               <a:latin typeface="Arial"/>
             </a:endParaRPr>
@@ -2219,7 +2248,7 @@
         <p:spPr>
           <a:xfrm>
             <a:off x="360000" y="432000"/>
-            <a:ext cx="9880200" cy="4603680"/>
+            <a:ext cx="9879840" cy="4603320"/>
           </a:xfrm>
           <a:prstGeom prst="rect">
             <a:avLst/>
@@ -2267,6 +2296,16 @@
             </a:pPr>
             <a:br/>
             <a:r>
+              <a:rPr b="1" lang="pt-BR" sz="1800" spc="-1" strike="noStrike">
+                <a:solidFill>
+                  <a:srgbClr val="000000"/>
+                </a:solidFill>
+                <a:latin typeface="Arial"/>
+                <a:ea typeface="DejaVu Sans"/>
+              </a:rPr>
+              <a:t>Ajustar</a:t>
+            </a:r>
+            <a:r>
               <a:rPr b="1" lang="pt-BR" sz="1600" spc="-1" strike="noStrike">
                 <a:solidFill>
                   <a:srgbClr val="000000"/>
@@ -2274,7 +2313,7 @@
                 <a:latin typeface="Arial"/>
                 <a:ea typeface="DejaVu Sans"/>
               </a:rPr>
-              <a:t>Retirar Terno</a:t>
+              <a:t> Traje a Rigor</a:t>
             </a:r>
             <a:endParaRPr b="0" lang="pt-BR" sz="1600" spc="-1" strike="noStrike">
               <a:latin typeface="Arial"/>
@@ -2314,7 +2353,7 @@
                 <a:latin typeface="Arial"/>
                 <a:ea typeface="DejaVu Sans"/>
               </a:rPr>
-              <a:t>Cliente realiza pagamento</a:t>
+              <a:t>Costureira Ajusta Traje a Rigor</a:t>
             </a:r>
             <a:endParaRPr b="0" lang="pt-BR" sz="1600" spc="-1" strike="noStrike">
               <a:latin typeface="Arial"/>
@@ -2354,6 +2393,613 @@
                 <a:latin typeface="Arial"/>
                 <a:ea typeface="DejaVu Sans"/>
               </a:rPr>
+              <a:t>Ajustar Traje a Rigor</a:t>
+            </a:r>
+            <a:endParaRPr b="0" lang="pt-BR" sz="1600" spc="-1" strike="noStrike">
+              <a:latin typeface="Arial"/>
+            </a:endParaRPr>
+          </a:p>
+          <a:p>
+            <a:pPr>
+              <a:lnSpc>
+                <a:spcPct val="100000"/>
+              </a:lnSpc>
+            </a:pPr>
+            <a:endParaRPr b="0" lang="pt-BR" sz="1600" spc="-1" strike="noStrike">
+              <a:latin typeface="Arial"/>
+            </a:endParaRPr>
+          </a:p>
+          <a:p>
+            <a:pPr>
+              <a:lnSpc>
+                <a:spcPct val="100000"/>
+              </a:lnSpc>
+            </a:pPr>
+            <a:r>
+              <a:rPr b="1" lang="pt-BR" sz="1600" spc="-1" strike="noStrike">
+                <a:solidFill>
+                  <a:srgbClr val="000000"/>
+                </a:solidFill>
+                <a:latin typeface="Arial"/>
+                <a:ea typeface="DejaVu Sans"/>
+              </a:rPr>
+              <a:t>Trabalhadores Envolvidos: Costureira</a:t>
+            </a:r>
+            <a:br/>
+            <a:endParaRPr b="0" lang="pt-BR" sz="1600" spc="-1" strike="noStrike">
+              <a:latin typeface="Arial"/>
+            </a:endParaRPr>
+          </a:p>
+          <a:p>
+            <a:pPr>
+              <a:lnSpc>
+                <a:spcPct val="100000"/>
+              </a:lnSpc>
+            </a:pPr>
+            <a:r>
+              <a:rPr b="0" lang="pt-BR" sz="1600" spc="-1" strike="noStrike">
+                <a:solidFill>
+                  <a:srgbClr val="000000"/>
+                </a:solidFill>
+                <a:latin typeface="Calibri"/>
+                <a:ea typeface="DejaVu Sans"/>
+              </a:rPr>
+              <a:t>- Costureira verifica Ficha de Medidas.</a:t>
+            </a:r>
+            <a:endParaRPr b="0" lang="pt-BR" sz="1600" spc="-1" strike="noStrike">
+              <a:latin typeface="Arial"/>
+            </a:endParaRPr>
+          </a:p>
+          <a:p>
+            <a:pPr>
+              <a:lnSpc>
+                <a:spcPct val="100000"/>
+              </a:lnSpc>
+            </a:pPr>
+            <a:endParaRPr b="0" lang="pt-BR" sz="1600" spc="-1" strike="noStrike">
+              <a:latin typeface="Arial"/>
+            </a:endParaRPr>
+          </a:p>
+          <a:p>
+            <a:pPr>
+              <a:lnSpc>
+                <a:spcPct val="100000"/>
+              </a:lnSpc>
+            </a:pPr>
+            <a:r>
+              <a:rPr b="0" lang="pt-BR" sz="1600" spc="-1" strike="noStrike">
+                <a:solidFill>
+                  <a:srgbClr val="000000"/>
+                </a:solidFill>
+                <a:latin typeface="Calibri"/>
+                <a:ea typeface="DejaVu Sans"/>
+              </a:rPr>
+              <a:t>- Costureira verifica Traje a Rigor.</a:t>
+            </a:r>
+            <a:endParaRPr b="0" lang="pt-BR" sz="1600" spc="-1" strike="noStrike">
+              <a:latin typeface="Arial"/>
+            </a:endParaRPr>
+          </a:p>
+          <a:p>
+            <a:pPr>
+              <a:lnSpc>
+                <a:spcPct val="100000"/>
+              </a:lnSpc>
+            </a:pPr>
+            <a:endParaRPr b="0" lang="pt-BR" sz="1600" spc="-1" strike="noStrike">
+              <a:latin typeface="Arial"/>
+            </a:endParaRPr>
+          </a:p>
+          <a:p>
+            <a:pPr>
+              <a:lnSpc>
+                <a:spcPct val="100000"/>
+              </a:lnSpc>
+            </a:pPr>
+            <a:r>
+              <a:rPr b="0" lang="pt-BR" sz="1600" spc="-1" strike="noStrike">
+                <a:solidFill>
+                  <a:srgbClr val="000000"/>
+                </a:solidFill>
+                <a:latin typeface="Calibri"/>
+                <a:ea typeface="DejaVu Sans"/>
+              </a:rPr>
+              <a:t>- Costureira ajusta Traje a Rigor.</a:t>
+            </a:r>
+            <a:endParaRPr b="0" lang="pt-BR" sz="1600" spc="-1" strike="noStrike">
+              <a:latin typeface="Arial"/>
+            </a:endParaRPr>
+          </a:p>
+          <a:p>
+            <a:pPr>
+              <a:lnSpc>
+                <a:spcPct val="100000"/>
+              </a:lnSpc>
+            </a:pPr>
+            <a:endParaRPr b="0" lang="pt-BR" sz="1600" spc="-1" strike="noStrike">
+              <a:latin typeface="Arial"/>
+            </a:endParaRPr>
+          </a:p>
+          <a:p>
+            <a:pPr>
+              <a:lnSpc>
+                <a:spcPct val="100000"/>
+              </a:lnSpc>
+            </a:pPr>
+            <a:r>
+              <a:rPr b="0" lang="pt-BR" sz="1600" spc="-1" strike="noStrike">
+                <a:solidFill>
+                  <a:srgbClr val="000000"/>
+                </a:solidFill>
+                <a:latin typeface="Calibri"/>
+                <a:ea typeface="DejaVu Sans"/>
+              </a:rPr>
+              <a:t>- Costureira devolve Traje a Rigor justado para retirada.</a:t>
+            </a:r>
+            <a:endParaRPr b="0" lang="pt-BR" sz="1600" spc="-1" strike="noStrike">
+              <a:latin typeface="Arial"/>
+            </a:endParaRPr>
+          </a:p>
+        </p:txBody>
+      </p:sp>
+    </p:spTree>
+  </p:cSld>
+  <mc:AlternateContent>
+    <mc:Choice Requires="p14">
+      <p:transition spd="slow" p14:dur="2000"/>
+    </mc:Choice>
+    <mc:Fallback>
+      <p:transition spd="slow"/>
+    </mc:Fallback>
+  </mc:AlternateContent>
+</p:sld>
+</file>
+
+<file path=ppt/slides/slide4.xml><?xml version="1.0" encoding="utf-8"?>
+<p:sld xmlns:a="http://schemas.openxmlformats.org/drawingml/2006/main" xmlns:p="http://schemas.openxmlformats.org/presentationml/2006/main" xmlns:r="http://schemas.openxmlformats.org/officeDocument/2006/relationships" xmlns:p14="http://schemas.microsoft.com/office/powerpoint/2010/main" xmlns:p15="http://schemas.microsoft.com/office/powerpoint/2012/main" xmlns:mc="http://schemas.openxmlformats.org/markup-compatibility/2006">
+  <p:cSld>
+    <p:spTree>
+      <p:nvGrpSpPr>
+        <p:cNvPr id="1" name=""/>
+        <p:cNvGrpSpPr/>
+        <p:nvPr/>
+      </p:nvGrpSpPr>
+      <p:grpSpPr>
+        <a:xfrm>
+          <a:off x="0" y="0"/>
+          <a:ext cx="0" cy="0"/>
+          <a:chOff x="0" y="0"/>
+          <a:chExt cx="0" cy="0"/>
+        </a:xfrm>
+      </p:grpSpPr>
+      <p:sp>
+        <p:nvSpPr>
+          <p:cNvPr id="41" name="CustomShape 1"/>
+          <p:cNvSpPr/>
+          <p:nvPr/>
+        </p:nvSpPr>
+        <p:spPr>
+          <a:xfrm>
+            <a:off x="360000" y="432000"/>
+            <a:ext cx="9879840" cy="4603320"/>
+          </a:xfrm>
+          <a:prstGeom prst="rect">
+            <a:avLst/>
+          </a:prstGeom>
+          <a:noFill/>
+          <a:ln>
+            <a:noFill/>
+          </a:ln>
+        </p:spPr>
+        <p:style>
+          <a:lnRef idx="0"/>
+          <a:fillRef idx="0"/>
+          <a:effectRef idx="0"/>
+          <a:fontRef idx="minor"/>
+        </p:style>
+        <p:txBody>
+          <a:bodyPr lIns="90000" rIns="90000" tIns="45000" bIns="45000">
+            <a:noAutofit/>
+          </a:bodyPr>
+          <a:p>
+            <a:pPr>
+              <a:lnSpc>
+                <a:spcPct val="100000"/>
+              </a:lnSpc>
+            </a:pPr>
+            <a:r>
+              <a:rPr b="0" lang="pt-BR" sz="4400" spc="-1" strike="noStrike">
+                <a:solidFill>
+                  <a:srgbClr val="000000"/>
+                </a:solidFill>
+                <a:latin typeface="Arial"/>
+                <a:ea typeface="DejaVu Sans"/>
+              </a:rPr>
+              <a:t>Descrição do processo negócio</a:t>
+            </a:r>
+            <a:endParaRPr b="0" lang="pt-BR" sz="4400" spc="-1" strike="noStrike">
+              <a:latin typeface="Arial"/>
+            </a:endParaRPr>
+          </a:p>
+          <a:p>
+            <a:pPr>
+              <a:lnSpc>
+                <a:spcPct val="100000"/>
+              </a:lnSpc>
+            </a:pPr>
+            <a:br/>
+            <a:r>
+              <a:rPr b="1" lang="pt-BR" sz="1800" spc="-1" strike="noStrike">
+                <a:solidFill>
+                  <a:srgbClr val="000000"/>
+                </a:solidFill>
+                <a:latin typeface="Arial"/>
+                <a:ea typeface="DejaVu Sans"/>
+              </a:rPr>
+              <a:t>Retirar</a:t>
+            </a:r>
+            <a:r>
+              <a:rPr b="1" lang="pt-BR" sz="1600" spc="-1" strike="noStrike">
+                <a:solidFill>
+                  <a:srgbClr val="000000"/>
+                </a:solidFill>
+                <a:latin typeface="Arial"/>
+                <a:ea typeface="DejaVu Sans"/>
+              </a:rPr>
+              <a:t> Traje a Rigor</a:t>
+            </a:r>
+            <a:endParaRPr b="0" lang="pt-BR" sz="1600" spc="-1" strike="noStrike">
+              <a:latin typeface="Arial"/>
+            </a:endParaRPr>
+          </a:p>
+          <a:p>
+            <a:pPr>
+              <a:lnSpc>
+                <a:spcPct val="100000"/>
+              </a:lnSpc>
+            </a:pPr>
+            <a:endParaRPr b="0" lang="pt-BR" sz="1600" spc="-1" strike="noStrike">
+              <a:latin typeface="Arial"/>
+            </a:endParaRPr>
+          </a:p>
+          <a:p>
+            <a:pPr>
+              <a:lnSpc>
+                <a:spcPct val="100000"/>
+              </a:lnSpc>
+            </a:pPr>
+            <a:r>
+              <a:rPr b="1" lang="pt-BR" sz="1600" spc="-1" strike="noStrike">
+                <a:solidFill>
+                  <a:srgbClr val="000000"/>
+                </a:solidFill>
+                <a:latin typeface="Arial"/>
+                <a:ea typeface="DejaVu Sans"/>
+              </a:rPr>
+              <a:t>Evento: </a:t>
+            </a:r>
+            <a:r>
+              <a:rPr b="0" lang="pt-BR" sz="1600" spc="-1" strike="noStrike">
+                <a:solidFill>
+                  <a:srgbClr val="000000"/>
+                </a:solidFill>
+                <a:latin typeface="Arial"/>
+                <a:ea typeface="DejaVu Sans"/>
+              </a:rPr>
+              <a:t>Cliente entrega contrato assinado + pagamento em dinheiro + recibo.</a:t>
+            </a:r>
+            <a:endParaRPr b="0" lang="pt-BR" sz="1600" spc="-1" strike="noStrike">
+              <a:latin typeface="Arial"/>
+            </a:endParaRPr>
+          </a:p>
+          <a:p>
+            <a:pPr>
+              <a:lnSpc>
+                <a:spcPct val="100000"/>
+              </a:lnSpc>
+            </a:pPr>
+            <a:endParaRPr b="0" lang="pt-BR" sz="1600" spc="-1" strike="noStrike">
+              <a:latin typeface="Arial"/>
+            </a:endParaRPr>
+          </a:p>
+          <a:p>
+            <a:pPr>
+              <a:lnSpc>
+                <a:spcPct val="100000"/>
+              </a:lnSpc>
+            </a:pPr>
+            <a:r>
+              <a:rPr b="1" lang="pt-BR" sz="1600" spc="-1" strike="noStrike">
+                <a:solidFill>
+                  <a:srgbClr val="000000"/>
+                </a:solidFill>
+                <a:latin typeface="Arial"/>
+                <a:ea typeface="DejaVu Sans"/>
+              </a:rPr>
+              <a:t>Objetivo: </a:t>
+            </a:r>
+            <a:r>
+              <a:rPr b="0" lang="pt-BR" sz="1600" spc="-1" strike="noStrike">
+                <a:solidFill>
+                  <a:srgbClr val="000000"/>
+                </a:solidFill>
+                <a:latin typeface="Arial"/>
+                <a:ea typeface="DejaVu Sans"/>
+              </a:rPr>
+              <a:t>Verificar Pedido.</a:t>
+            </a:r>
+            <a:endParaRPr b="0" lang="pt-BR" sz="1600" spc="-1" strike="noStrike">
+              <a:latin typeface="Arial"/>
+            </a:endParaRPr>
+          </a:p>
+          <a:p>
+            <a:pPr>
+              <a:lnSpc>
+                <a:spcPct val="100000"/>
+              </a:lnSpc>
+            </a:pPr>
+            <a:endParaRPr b="0" lang="pt-BR" sz="1600" spc="-1" strike="noStrike">
+              <a:latin typeface="Arial"/>
+            </a:endParaRPr>
+          </a:p>
+          <a:p>
+            <a:pPr>
+              <a:lnSpc>
+                <a:spcPct val="100000"/>
+              </a:lnSpc>
+            </a:pPr>
+            <a:r>
+              <a:rPr b="1" lang="pt-BR" sz="1600" spc="-1" strike="noStrike">
+                <a:solidFill>
+                  <a:srgbClr val="000000"/>
+                </a:solidFill>
+                <a:latin typeface="Arial"/>
+                <a:ea typeface="DejaVu Sans"/>
+              </a:rPr>
+              <a:t>Trabalhadores Envolvidos: Caixa</a:t>
+            </a:r>
+            <a:br/>
+            <a:endParaRPr b="0" lang="pt-BR" sz="1600" spc="-1" strike="noStrike">
+              <a:latin typeface="Arial"/>
+            </a:endParaRPr>
+          </a:p>
+          <a:p>
+            <a:pPr>
+              <a:lnSpc>
+                <a:spcPct val="100000"/>
+              </a:lnSpc>
+            </a:pPr>
+            <a:r>
+              <a:rPr b="0" lang="pt-BR" sz="1600" spc="-1" strike="noStrike">
+                <a:solidFill>
+                  <a:srgbClr val="000000"/>
+                </a:solidFill>
+                <a:latin typeface="Calibri"/>
+                <a:ea typeface="DejaVu Sans"/>
+              </a:rPr>
+              <a:t>- Cliente entrega numero de pedido</a:t>
+            </a:r>
+            <a:endParaRPr b="0" lang="pt-BR" sz="1600" spc="-1" strike="noStrike">
+              <a:latin typeface="Arial"/>
+            </a:endParaRPr>
+          </a:p>
+          <a:p>
+            <a:pPr>
+              <a:lnSpc>
+                <a:spcPct val="100000"/>
+              </a:lnSpc>
+            </a:pPr>
+            <a:endParaRPr b="0" lang="pt-BR" sz="1600" spc="-1" strike="noStrike">
+              <a:latin typeface="Arial"/>
+            </a:endParaRPr>
+          </a:p>
+          <a:p>
+            <a:pPr>
+              <a:lnSpc>
+                <a:spcPct val="100000"/>
+              </a:lnSpc>
+            </a:pPr>
+            <a:r>
+              <a:rPr b="0" lang="pt-BR" sz="1600" spc="-1" strike="noStrike">
+                <a:solidFill>
+                  <a:srgbClr val="000000"/>
+                </a:solidFill>
+                <a:latin typeface="Calibri"/>
+                <a:ea typeface="DejaVu Sans"/>
+              </a:rPr>
+              <a:t>- Caixa verifica numero data de retirada com contrato de locação + recibo de pagamento</a:t>
+            </a:r>
+            <a:endParaRPr b="0" lang="pt-BR" sz="1600" spc="-1" strike="noStrike">
+              <a:latin typeface="Arial"/>
+            </a:endParaRPr>
+          </a:p>
+          <a:p>
+            <a:pPr>
+              <a:lnSpc>
+                <a:spcPct val="100000"/>
+              </a:lnSpc>
+            </a:pPr>
+            <a:endParaRPr b="0" lang="pt-BR" sz="1600" spc="-1" strike="noStrike">
+              <a:latin typeface="Arial"/>
+            </a:endParaRPr>
+          </a:p>
+        </p:txBody>
+      </p:sp>
+    </p:spTree>
+  </p:cSld>
+  <mc:AlternateContent>
+    <mc:Choice Requires="p14">
+      <p:transition spd="slow" p14:dur="2000"/>
+    </mc:Choice>
+    <mc:Fallback>
+      <p:transition spd="slow"/>
+    </mc:Fallback>
+  </mc:AlternateContent>
+</p:sld>
+</file>
+
+<file path=ppt/slides/slide5.xml><?xml version="1.0" encoding="utf-8"?>
+<p:sld xmlns:a="http://schemas.openxmlformats.org/drawingml/2006/main" xmlns:p="http://schemas.openxmlformats.org/presentationml/2006/main" xmlns:r="http://schemas.openxmlformats.org/officeDocument/2006/relationships" xmlns:p14="http://schemas.microsoft.com/office/powerpoint/2010/main" xmlns:p15="http://schemas.microsoft.com/office/powerpoint/2012/main" xmlns:mc="http://schemas.openxmlformats.org/markup-compatibility/2006">
+  <p:cSld>
+    <p:spTree>
+      <p:nvGrpSpPr>
+        <p:cNvPr id="1" name=""/>
+        <p:cNvGrpSpPr/>
+        <p:nvPr/>
+      </p:nvGrpSpPr>
+      <p:grpSpPr>
+        <a:xfrm>
+          <a:off x="0" y="0"/>
+          <a:ext cx="0" cy="0"/>
+          <a:chOff x="0" y="0"/>
+          <a:chExt cx="0" cy="0"/>
+        </a:xfrm>
+      </p:grpSpPr>
+      <p:sp>
+        <p:nvSpPr>
+          <p:cNvPr id="42" name="CustomShape 1"/>
+          <p:cNvSpPr/>
+          <p:nvPr/>
+        </p:nvSpPr>
+        <p:spPr>
+          <a:xfrm>
+            <a:off x="360000" y="432000"/>
+            <a:ext cx="9879840" cy="4603320"/>
+          </a:xfrm>
+          <a:prstGeom prst="rect">
+            <a:avLst/>
+          </a:prstGeom>
+          <a:noFill/>
+          <a:ln>
+            <a:noFill/>
+          </a:ln>
+        </p:spPr>
+        <p:style>
+          <a:lnRef idx="0"/>
+          <a:fillRef idx="0"/>
+          <a:effectRef idx="0"/>
+          <a:fontRef idx="minor"/>
+        </p:style>
+        <p:txBody>
+          <a:bodyPr lIns="90000" rIns="90000" tIns="45000" bIns="45000">
+            <a:noAutofit/>
+          </a:bodyPr>
+          <a:p>
+            <a:pPr>
+              <a:lnSpc>
+                <a:spcPct val="100000"/>
+              </a:lnSpc>
+            </a:pPr>
+            <a:r>
+              <a:rPr b="0" lang="pt-BR" sz="4400" spc="-1" strike="noStrike">
+                <a:solidFill>
+                  <a:srgbClr val="000000"/>
+                </a:solidFill>
+                <a:latin typeface="Arial"/>
+                <a:ea typeface="DejaVu Sans"/>
+              </a:rPr>
+              <a:t>Descrição do processo negócio</a:t>
+            </a:r>
+            <a:endParaRPr b="0" lang="pt-BR" sz="4400" spc="-1" strike="noStrike">
+              <a:latin typeface="Arial"/>
+            </a:endParaRPr>
+          </a:p>
+          <a:p>
+            <a:pPr>
+              <a:lnSpc>
+                <a:spcPct val="100000"/>
+              </a:lnSpc>
+            </a:pPr>
+            <a:br/>
+            <a:r>
+              <a:rPr b="1" lang="pt-BR" sz="1800" spc="-1" strike="noStrike">
+                <a:solidFill>
+                  <a:srgbClr val="000000"/>
+                </a:solidFill>
+                <a:latin typeface="Arial"/>
+                <a:ea typeface="DejaVu Sans"/>
+              </a:rPr>
+              <a:t>Retirar</a:t>
+            </a:r>
+            <a:r>
+              <a:rPr b="1" lang="pt-BR" sz="1600" spc="-1" strike="noStrike">
+                <a:solidFill>
+                  <a:srgbClr val="000000"/>
+                </a:solidFill>
+                <a:latin typeface="Arial"/>
+                <a:ea typeface="DejaVu Sans"/>
+              </a:rPr>
+              <a:t> Traje a Rigor</a:t>
+            </a:r>
+            <a:endParaRPr b="0" lang="pt-BR" sz="1600" spc="-1" strike="noStrike">
+              <a:latin typeface="Arial"/>
+            </a:endParaRPr>
+          </a:p>
+          <a:p>
+            <a:pPr>
+              <a:lnSpc>
+                <a:spcPct val="100000"/>
+              </a:lnSpc>
+            </a:pPr>
+            <a:endParaRPr b="0" lang="pt-BR" sz="1600" spc="-1" strike="noStrike">
+              <a:latin typeface="Arial"/>
+            </a:endParaRPr>
+          </a:p>
+          <a:p>
+            <a:pPr>
+              <a:lnSpc>
+                <a:spcPct val="100000"/>
+              </a:lnSpc>
+            </a:pPr>
+            <a:r>
+              <a:rPr b="1" lang="pt-BR" sz="1600" spc="-1" strike="noStrike">
+                <a:solidFill>
+                  <a:srgbClr val="000000"/>
+                </a:solidFill>
+                <a:latin typeface="Arial"/>
+                <a:ea typeface="DejaVu Sans"/>
+              </a:rPr>
+              <a:t>Evento: </a:t>
+            </a:r>
+            <a:r>
+              <a:rPr b="0" lang="pt-BR" sz="1600" spc="-1" strike="noStrike">
+                <a:solidFill>
+                  <a:srgbClr val="000000"/>
+                </a:solidFill>
+                <a:latin typeface="Arial"/>
+                <a:ea typeface="DejaVu Sans"/>
+              </a:rPr>
+              <a:t>Caixa entrega Traje a rigor para cliente + 2º via contrato + recibo.</a:t>
+            </a:r>
+            <a:endParaRPr b="0" lang="pt-BR" sz="1600" spc="-1" strike="noStrike">
+              <a:latin typeface="Arial"/>
+            </a:endParaRPr>
+          </a:p>
+          <a:p>
+            <a:pPr>
+              <a:lnSpc>
+                <a:spcPct val="100000"/>
+              </a:lnSpc>
+            </a:pPr>
+            <a:br/>
+            <a:r>
+              <a:rPr b="1" lang="pt-BR" sz="1600" spc="-1" strike="noStrike">
+                <a:solidFill>
+                  <a:srgbClr val="000000"/>
+                </a:solidFill>
+                <a:latin typeface="Arial"/>
+                <a:ea typeface="DejaVu Sans"/>
+              </a:rPr>
+              <a:t>Objetivo: </a:t>
+            </a:r>
+            <a:r>
+              <a:rPr b="0" lang="pt-BR" sz="1600" spc="-1" strike="noStrike">
+                <a:solidFill>
+                  <a:srgbClr val="000000"/>
+                </a:solidFill>
+                <a:latin typeface="Arial"/>
+                <a:ea typeface="DejaVu Sans"/>
+              </a:rPr>
               <a:t>Entregar pedido para cliente.</a:t>
             </a:r>
             <a:endParaRPr b="0" lang="pt-BR" sz="1600" spc="-1" strike="noStrike">
@@ -2405,78 +3051,656 @@
                 <a:latin typeface="Calibri"/>
                 <a:ea typeface="DejaVu Sans"/>
               </a:rPr>
-              <a:t>- Verifica forma de pagamento.</a:t>
-            </a:r>
+              <a:t>- Caixa entrega Traje a Rigor para cliente.</a:t>
+            </a:r>
+            <a:endParaRPr b="0" lang="pt-BR" sz="1600" spc="-1" strike="noStrike">
+              <a:latin typeface="Arial"/>
+            </a:endParaRPr>
+          </a:p>
+          <a:p>
+            <a:pPr>
+              <a:lnSpc>
+                <a:spcPct val="100000"/>
+              </a:lnSpc>
+            </a:pPr>
+            <a:endParaRPr b="0" lang="pt-BR" sz="1600" spc="-1" strike="noStrike">
+              <a:latin typeface="Arial"/>
+            </a:endParaRPr>
+          </a:p>
+          <a:p>
+            <a:pPr>
+              <a:lnSpc>
+                <a:spcPct val="100000"/>
+              </a:lnSpc>
+            </a:pPr>
+            <a:r>
+              <a:rPr b="0" lang="pt-BR" sz="1600" spc="-1" strike="noStrike">
+                <a:solidFill>
+                  <a:srgbClr val="000000"/>
+                </a:solidFill>
+                <a:latin typeface="Calibri"/>
+                <a:ea typeface="DejaVu Sans"/>
+              </a:rPr>
+              <a:t>- Caixa entrega 2º via do contrato assinado para cliente.</a:t>
+            </a:r>
+            <a:endParaRPr b="0" lang="pt-BR" sz="1600" spc="-1" strike="noStrike">
+              <a:latin typeface="Arial"/>
+            </a:endParaRPr>
+          </a:p>
+          <a:p>
+            <a:pPr>
+              <a:lnSpc>
+                <a:spcPct val="100000"/>
+              </a:lnSpc>
+            </a:pPr>
+            <a:endParaRPr b="0" lang="pt-BR" sz="1600" spc="-1" strike="noStrike">
+              <a:latin typeface="Arial"/>
+            </a:endParaRPr>
+          </a:p>
+          <a:p>
+            <a:pPr>
+              <a:lnSpc>
+                <a:spcPct val="100000"/>
+              </a:lnSpc>
+            </a:pPr>
+            <a:r>
+              <a:rPr b="0" lang="pt-BR" sz="1600" spc="-1" strike="noStrike">
+                <a:solidFill>
+                  <a:srgbClr val="000000"/>
+                </a:solidFill>
+                <a:latin typeface="Calibri"/>
+                <a:ea typeface="DejaVu Sans"/>
+              </a:rPr>
+              <a:t>- Caixa entrega recibo de pagamento para cliente.</a:t>
+            </a:r>
+            <a:endParaRPr b="0" lang="pt-BR" sz="1600" spc="-1" strike="noStrike">
+              <a:latin typeface="Arial"/>
+            </a:endParaRPr>
+          </a:p>
+          <a:p>
+            <a:pPr>
+              <a:lnSpc>
+                <a:spcPct val="100000"/>
+              </a:lnSpc>
+            </a:pPr>
+            <a:endParaRPr b="0" lang="pt-BR" sz="1600" spc="-1" strike="noStrike">
+              <a:latin typeface="Arial"/>
+            </a:endParaRPr>
+          </a:p>
+        </p:txBody>
+      </p:sp>
+    </p:spTree>
+  </p:cSld>
+  <mc:AlternateContent>
+    <mc:Choice Requires="p14">
+      <p:transition spd="slow" p14:dur="2000"/>
+    </mc:Choice>
+    <mc:Fallback>
+      <p:transition spd="slow"/>
+    </mc:Fallback>
+  </mc:AlternateContent>
+</p:sld>
+</file>
+
+<file path=ppt/slides/slide6.xml><?xml version="1.0" encoding="utf-8"?>
+<p:sld xmlns:a="http://schemas.openxmlformats.org/drawingml/2006/main" xmlns:p="http://schemas.openxmlformats.org/presentationml/2006/main" xmlns:r="http://schemas.openxmlformats.org/officeDocument/2006/relationships" xmlns:p14="http://schemas.microsoft.com/office/powerpoint/2010/main" xmlns:p15="http://schemas.microsoft.com/office/powerpoint/2012/main" xmlns:mc="http://schemas.openxmlformats.org/markup-compatibility/2006">
+  <p:cSld>
+    <p:spTree>
+      <p:nvGrpSpPr>
+        <p:cNvPr id="1" name=""/>
+        <p:cNvGrpSpPr/>
+        <p:nvPr/>
+      </p:nvGrpSpPr>
+      <p:grpSpPr>
+        <a:xfrm>
+          <a:off x="0" y="0"/>
+          <a:ext cx="0" cy="0"/>
+          <a:chOff x="0" y="0"/>
+          <a:chExt cx="0" cy="0"/>
+        </a:xfrm>
+      </p:grpSpPr>
+      <p:sp>
+        <p:nvSpPr>
+          <p:cNvPr id="43" name="CustomShape 1"/>
+          <p:cNvSpPr/>
+          <p:nvPr/>
+        </p:nvSpPr>
+        <p:spPr>
+          <a:xfrm>
+            <a:off x="360000" y="432000"/>
+            <a:ext cx="9879840" cy="4603320"/>
+          </a:xfrm>
+          <a:prstGeom prst="rect">
+            <a:avLst/>
+          </a:prstGeom>
+          <a:noFill/>
+          <a:ln>
+            <a:noFill/>
+          </a:ln>
+        </p:spPr>
+        <p:style>
+          <a:lnRef idx="0"/>
+          <a:fillRef idx="0"/>
+          <a:effectRef idx="0"/>
+          <a:fontRef idx="minor"/>
+        </p:style>
+        <p:txBody>
+          <a:bodyPr lIns="90000" rIns="90000" tIns="45000" bIns="45000">
+            <a:noAutofit/>
+          </a:bodyPr>
+          <a:p>
+            <a:pPr>
+              <a:lnSpc>
+                <a:spcPct val="100000"/>
+              </a:lnSpc>
+            </a:pPr>
+            <a:r>
+              <a:rPr b="0" lang="pt-BR" sz="4400" spc="-1" strike="noStrike">
+                <a:solidFill>
+                  <a:srgbClr val="000000"/>
+                </a:solidFill>
+                <a:latin typeface="Arial"/>
+                <a:ea typeface="DejaVu Sans"/>
+              </a:rPr>
+              <a:t>Descrição do processo negócio</a:t>
+            </a:r>
+            <a:endParaRPr b="0" lang="pt-BR" sz="4400" spc="-1" strike="noStrike">
+              <a:latin typeface="Arial"/>
+            </a:endParaRPr>
+          </a:p>
+          <a:p>
+            <a:pPr>
+              <a:lnSpc>
+                <a:spcPct val="100000"/>
+              </a:lnSpc>
+            </a:pPr>
             <a:br/>
+            <a:r>
+              <a:rPr b="1" lang="pt-BR" sz="1800" spc="-1" strike="noStrike">
+                <a:solidFill>
+                  <a:srgbClr val="000000"/>
+                </a:solidFill>
+                <a:latin typeface="Arial"/>
+                <a:ea typeface="DejaVu Sans"/>
+              </a:rPr>
+              <a:t>Devolver</a:t>
+            </a:r>
+            <a:r>
+              <a:rPr b="1" lang="pt-BR" sz="1600" spc="-1" strike="noStrike">
+                <a:solidFill>
+                  <a:srgbClr val="000000"/>
+                </a:solidFill>
+                <a:latin typeface="Arial"/>
+                <a:ea typeface="DejaVu Sans"/>
+              </a:rPr>
+              <a:t> Traje a Rigor</a:t>
+            </a:r>
+            <a:endParaRPr b="0" lang="pt-BR" sz="1600" spc="-1" strike="noStrike">
+              <a:latin typeface="Arial"/>
+            </a:endParaRPr>
+          </a:p>
+          <a:p>
+            <a:pPr>
+              <a:lnSpc>
+                <a:spcPct val="100000"/>
+              </a:lnSpc>
+            </a:pPr>
+            <a:endParaRPr b="0" lang="pt-BR" sz="1600" spc="-1" strike="noStrike">
+              <a:latin typeface="Arial"/>
+            </a:endParaRPr>
+          </a:p>
+          <a:p>
+            <a:pPr>
+              <a:lnSpc>
+                <a:spcPct val="100000"/>
+              </a:lnSpc>
+            </a:pPr>
+            <a:r>
+              <a:rPr b="1" lang="pt-BR" sz="1600" spc="-1" strike="noStrike">
+                <a:solidFill>
+                  <a:srgbClr val="000000"/>
+                </a:solidFill>
+                <a:latin typeface="Arial"/>
+                <a:ea typeface="DejaVu Sans"/>
+              </a:rPr>
+              <a:t>Evento: </a:t>
+            </a:r>
+            <a:r>
+              <a:rPr b="0" lang="pt-BR" sz="1600" spc="-1" strike="noStrike">
+                <a:solidFill>
+                  <a:srgbClr val="000000"/>
+                </a:solidFill>
+                <a:latin typeface="Arial"/>
+                <a:ea typeface="DejaVu Sans"/>
+              </a:rPr>
+              <a:t>Cliente devolve traje a Rigor</a:t>
+            </a:r>
+            <a:r>
+              <a:rPr b="0" lang="pt-BR" sz="1600" spc="-1" strike="noStrike">
+                <a:solidFill>
+                  <a:srgbClr val="000000"/>
+                </a:solidFill>
+                <a:latin typeface="Arial"/>
+                <a:ea typeface="DejaVu Sans"/>
+              </a:rPr>
+              <a:t> </a:t>
+            </a:r>
+            <a:r>
+              <a:rPr b="0" lang="pt-BR" sz="1600" spc="-1" strike="noStrike">
+                <a:solidFill>
+                  <a:srgbClr val="000000"/>
+                </a:solidFill>
+                <a:latin typeface="Arial"/>
+                <a:ea typeface="DejaVu Sans"/>
+              </a:rPr>
+              <a:t>+ 2º via contrato + recibo.</a:t>
+            </a:r>
+            <a:endParaRPr b="0" lang="pt-BR" sz="1600" spc="-1" strike="noStrike">
+              <a:latin typeface="Arial"/>
+            </a:endParaRPr>
+          </a:p>
+          <a:p>
+            <a:pPr>
+              <a:lnSpc>
+                <a:spcPct val="100000"/>
+              </a:lnSpc>
+            </a:pPr>
             <a:br/>
             <a:r>
+              <a:rPr b="1" lang="pt-BR" sz="1600" spc="-1" strike="noStrike">
+                <a:solidFill>
+                  <a:srgbClr val="000000"/>
+                </a:solidFill>
+                <a:latin typeface="Arial"/>
+                <a:ea typeface="DejaVu Sans"/>
+              </a:rPr>
+              <a:t>Objetivo: </a:t>
+            </a:r>
+            <a:r>
               <a:rPr b="0" lang="pt-BR" sz="1600" spc="-1" strike="noStrike">
                 <a:solidFill>
                   <a:srgbClr val="000000"/>
                 </a:solidFill>
+                <a:latin typeface="Arial"/>
+                <a:ea typeface="DejaVu Sans"/>
+              </a:rPr>
+              <a:t>Recepcionar Traje a Rigor.</a:t>
+            </a:r>
+            <a:endParaRPr b="0" lang="pt-BR" sz="1600" spc="-1" strike="noStrike">
+              <a:latin typeface="Arial"/>
+            </a:endParaRPr>
+          </a:p>
+          <a:p>
+            <a:pPr>
+              <a:lnSpc>
+                <a:spcPct val="100000"/>
+              </a:lnSpc>
+            </a:pPr>
+            <a:endParaRPr b="0" lang="pt-BR" sz="1600" spc="-1" strike="noStrike">
+              <a:latin typeface="Arial"/>
+            </a:endParaRPr>
+          </a:p>
+          <a:p>
+            <a:pPr>
+              <a:lnSpc>
+                <a:spcPct val="100000"/>
+              </a:lnSpc>
+            </a:pPr>
+            <a:r>
+              <a:rPr b="1" lang="pt-BR" sz="1600" spc="-1" strike="noStrike">
+                <a:solidFill>
+                  <a:srgbClr val="000000"/>
+                </a:solidFill>
+                <a:latin typeface="Arial"/>
+                <a:ea typeface="DejaVu Sans"/>
+              </a:rPr>
+              <a:t>Trabalhadores Envolvidos: Caixa</a:t>
+            </a:r>
+            <a:br/>
+            <a:endParaRPr b="0" lang="pt-BR" sz="1600" spc="-1" strike="noStrike">
+              <a:latin typeface="Arial"/>
+            </a:endParaRPr>
+          </a:p>
+          <a:p>
+            <a:pPr>
+              <a:lnSpc>
+                <a:spcPct val="100000"/>
+              </a:lnSpc>
+            </a:pPr>
+            <a:r>
+              <a:rPr b="0" lang="pt-BR" sz="1600" spc="-1" strike="noStrike">
+                <a:solidFill>
+                  <a:srgbClr val="000000"/>
+                </a:solidFill>
                 <a:latin typeface="Calibri"/>
                 <a:ea typeface="DejaVu Sans"/>
               </a:rPr>
-              <a:t>- Se o pagamento não for suficiente, devolver o pagamento informando ao cliente o valor devido.</a:t>
-            </a:r>
+              <a:t>- Cliente entrega traje a rigor + 2º via do contrato + recibo para caixa.</a:t>
+            </a:r>
+            <a:endParaRPr b="0" lang="pt-BR" sz="1600" spc="-1" strike="noStrike">
+              <a:latin typeface="Arial"/>
+            </a:endParaRPr>
+          </a:p>
+          <a:p>
+            <a:pPr>
+              <a:lnSpc>
+                <a:spcPct val="100000"/>
+              </a:lnSpc>
+            </a:pPr>
+            <a:endParaRPr b="0" lang="pt-BR" sz="1600" spc="-1" strike="noStrike">
+              <a:latin typeface="Arial"/>
+            </a:endParaRPr>
+          </a:p>
+          <a:p>
+            <a:pPr>
+              <a:lnSpc>
+                <a:spcPct val="100000"/>
+              </a:lnSpc>
+            </a:pPr>
+            <a:r>
+              <a:rPr b="0" lang="pt-BR" sz="1600" spc="-1" strike="noStrike">
+                <a:solidFill>
+                  <a:srgbClr val="000000"/>
+                </a:solidFill>
+                <a:latin typeface="Calibri"/>
+                <a:ea typeface="DejaVu Sans"/>
+              </a:rPr>
+              <a:t>- Caixa checa traje devolvido com contrato de locação.</a:t>
+            </a:r>
+            <a:endParaRPr b="0" lang="pt-BR" sz="1600" spc="-1" strike="noStrike">
+              <a:latin typeface="Arial"/>
+            </a:endParaRPr>
+          </a:p>
+          <a:p>
+            <a:pPr>
+              <a:lnSpc>
+                <a:spcPct val="100000"/>
+              </a:lnSpc>
+            </a:pPr>
+            <a:endParaRPr b="0" lang="pt-BR" sz="1600" spc="-1" strike="noStrike">
+              <a:latin typeface="Arial"/>
+            </a:endParaRPr>
+          </a:p>
+          <a:p>
+            <a:pPr>
+              <a:lnSpc>
+                <a:spcPct val="100000"/>
+              </a:lnSpc>
+            </a:pPr>
+            <a:r>
+              <a:rPr b="0" lang="pt-BR" sz="1600" spc="-1" strike="noStrike">
+                <a:solidFill>
+                  <a:srgbClr val="000000"/>
+                </a:solidFill>
+                <a:latin typeface="Calibri"/>
+                <a:ea typeface="DejaVu Sans"/>
+              </a:rPr>
+              <a:t>- Caixa checa eventuais condições de pagamento.</a:t>
+            </a:r>
+            <a:endParaRPr b="0" lang="pt-BR" sz="1600" spc="-1" strike="noStrike">
+              <a:latin typeface="Arial"/>
+            </a:endParaRPr>
+          </a:p>
+          <a:p>
+            <a:pPr>
+              <a:lnSpc>
+                <a:spcPct val="100000"/>
+              </a:lnSpc>
+            </a:pPr>
+            <a:endParaRPr b="0" lang="pt-BR" sz="1600" spc="-1" strike="noStrike">
+              <a:latin typeface="Arial"/>
+            </a:endParaRPr>
+          </a:p>
+        </p:txBody>
+      </p:sp>
+    </p:spTree>
+  </p:cSld>
+  <mc:AlternateContent>
+    <mc:Choice Requires="p14">
+      <p:transition spd="slow" p14:dur="2000"/>
+    </mc:Choice>
+    <mc:Fallback>
+      <p:transition spd="slow"/>
+    </mc:Fallback>
+  </mc:AlternateContent>
+</p:sld>
+</file>
+
+<file path=ppt/slides/slide7.xml><?xml version="1.0" encoding="utf-8"?>
+<p:sld xmlns:a="http://schemas.openxmlformats.org/drawingml/2006/main" xmlns:p="http://schemas.openxmlformats.org/presentationml/2006/main" xmlns:r="http://schemas.openxmlformats.org/officeDocument/2006/relationships" xmlns:p14="http://schemas.microsoft.com/office/powerpoint/2010/main" xmlns:p15="http://schemas.microsoft.com/office/powerpoint/2012/main" xmlns:mc="http://schemas.openxmlformats.org/markup-compatibility/2006">
+  <p:cSld>
+    <p:spTree>
+      <p:nvGrpSpPr>
+        <p:cNvPr id="1" name=""/>
+        <p:cNvGrpSpPr/>
+        <p:nvPr/>
+      </p:nvGrpSpPr>
+      <p:grpSpPr>
+        <a:xfrm>
+          <a:off x="0" y="0"/>
+          <a:ext cx="0" cy="0"/>
+          <a:chOff x="0" y="0"/>
+          <a:chExt cx="0" cy="0"/>
+        </a:xfrm>
+      </p:grpSpPr>
+      <p:sp>
+        <p:nvSpPr>
+          <p:cNvPr id="44" name="CustomShape 1"/>
+          <p:cNvSpPr/>
+          <p:nvPr/>
+        </p:nvSpPr>
+        <p:spPr>
+          <a:xfrm>
+            <a:off x="360000" y="432000"/>
+            <a:ext cx="9879840" cy="4603320"/>
+          </a:xfrm>
+          <a:prstGeom prst="rect">
+            <a:avLst/>
+          </a:prstGeom>
+          <a:noFill/>
+          <a:ln>
+            <a:noFill/>
+          </a:ln>
+        </p:spPr>
+        <p:style>
+          <a:lnRef idx="0"/>
+          <a:fillRef idx="0"/>
+          <a:effectRef idx="0"/>
+          <a:fontRef idx="minor"/>
+        </p:style>
+        <p:txBody>
+          <a:bodyPr lIns="90000" rIns="90000" tIns="45000" bIns="45000">
+            <a:noAutofit/>
+          </a:bodyPr>
+          <a:p>
+            <a:pPr>
+              <a:lnSpc>
+                <a:spcPct val="100000"/>
+              </a:lnSpc>
+            </a:pPr>
+            <a:r>
+              <a:rPr b="0" lang="pt-BR" sz="4400" spc="-1" strike="noStrike">
+                <a:solidFill>
+                  <a:srgbClr val="000000"/>
+                </a:solidFill>
+                <a:latin typeface="Arial"/>
+                <a:ea typeface="DejaVu Sans"/>
+              </a:rPr>
+              <a:t>Descrição do processo negócio</a:t>
+            </a:r>
+            <a:endParaRPr b="0" lang="pt-BR" sz="4400" spc="-1" strike="noStrike">
+              <a:latin typeface="Arial"/>
+            </a:endParaRPr>
+          </a:p>
+          <a:p>
+            <a:pPr>
+              <a:lnSpc>
+                <a:spcPct val="100000"/>
+              </a:lnSpc>
+            </a:pPr>
             <a:br/>
+            <a:r>
+              <a:rPr b="1" lang="pt-BR" sz="1800" spc="-1" strike="noStrike">
+                <a:solidFill>
+                  <a:srgbClr val="000000"/>
+                </a:solidFill>
+                <a:latin typeface="Arial"/>
+                <a:ea typeface="DejaVu Sans"/>
+              </a:rPr>
+              <a:t>Devolver</a:t>
+            </a:r>
+            <a:r>
+              <a:rPr b="1" lang="pt-BR" sz="1600" spc="-1" strike="noStrike">
+                <a:solidFill>
+                  <a:srgbClr val="000000"/>
+                </a:solidFill>
+                <a:latin typeface="Arial"/>
+                <a:ea typeface="DejaVu Sans"/>
+              </a:rPr>
+              <a:t> Traje a Rigor</a:t>
+            </a:r>
+            <a:endParaRPr b="0" lang="pt-BR" sz="1600" spc="-1" strike="noStrike">
+              <a:latin typeface="Arial"/>
+            </a:endParaRPr>
+          </a:p>
+          <a:p>
+            <a:pPr>
+              <a:lnSpc>
+                <a:spcPct val="100000"/>
+              </a:lnSpc>
+            </a:pPr>
+            <a:endParaRPr b="0" lang="pt-BR" sz="1600" spc="-1" strike="noStrike">
+              <a:latin typeface="Arial"/>
+            </a:endParaRPr>
+          </a:p>
+          <a:p>
+            <a:pPr>
+              <a:lnSpc>
+                <a:spcPct val="100000"/>
+              </a:lnSpc>
+            </a:pPr>
+            <a:r>
+              <a:rPr b="1" lang="pt-BR" sz="1600" spc="-1" strike="noStrike">
+                <a:solidFill>
+                  <a:srgbClr val="000000"/>
+                </a:solidFill>
+                <a:latin typeface="Arial"/>
+                <a:ea typeface="DejaVu Sans"/>
+              </a:rPr>
+              <a:t>Evento: </a:t>
+            </a:r>
+            <a:r>
+              <a:rPr b="0" lang="pt-BR" sz="1600" spc="-1" strike="noStrike">
+                <a:solidFill>
+                  <a:srgbClr val="000000"/>
+                </a:solidFill>
+                <a:latin typeface="Arial"/>
+                <a:ea typeface="DejaVu Sans"/>
+              </a:rPr>
+              <a:t>Caixa devolve 2º via do contrato + recibo</a:t>
+            </a:r>
+            <a:r>
+              <a:rPr b="0" lang="pt-BR" sz="1600" spc="-1" strike="noStrike">
+                <a:solidFill>
+                  <a:srgbClr val="000000"/>
+                </a:solidFill>
+                <a:latin typeface="Arial"/>
+                <a:ea typeface="DejaVu Sans"/>
+              </a:rPr>
+              <a:t>.</a:t>
+            </a:r>
+            <a:endParaRPr b="0" lang="pt-BR" sz="1600" spc="-1" strike="noStrike">
+              <a:latin typeface="Arial"/>
+            </a:endParaRPr>
+          </a:p>
+          <a:p>
+            <a:pPr>
+              <a:lnSpc>
+                <a:spcPct val="100000"/>
+              </a:lnSpc>
+            </a:pPr>
             <a:br/>
             <a:r>
+              <a:rPr b="1" lang="pt-BR" sz="1600" spc="-1" strike="noStrike">
+                <a:solidFill>
+                  <a:srgbClr val="000000"/>
+                </a:solidFill>
+                <a:latin typeface="Arial"/>
+                <a:ea typeface="DejaVu Sans"/>
+              </a:rPr>
+              <a:t>Objetivo: </a:t>
+            </a:r>
+            <a:r>
               <a:rPr b="0" lang="pt-BR" sz="1600" spc="-1" strike="noStrike">
                 <a:solidFill>
                   <a:srgbClr val="000000"/>
                 </a:solidFill>
+                <a:latin typeface="Arial"/>
+                <a:ea typeface="DejaVu Sans"/>
+              </a:rPr>
+              <a:t>Recepcionar Traje a Rigor.</a:t>
+            </a:r>
+            <a:endParaRPr b="0" lang="pt-BR" sz="1600" spc="-1" strike="noStrike">
+              <a:latin typeface="Arial"/>
+            </a:endParaRPr>
+          </a:p>
+          <a:p>
+            <a:pPr>
+              <a:lnSpc>
+                <a:spcPct val="100000"/>
+              </a:lnSpc>
+            </a:pPr>
+            <a:endParaRPr b="0" lang="pt-BR" sz="1600" spc="-1" strike="noStrike">
+              <a:latin typeface="Arial"/>
+            </a:endParaRPr>
+          </a:p>
+          <a:p>
+            <a:pPr>
+              <a:lnSpc>
+                <a:spcPct val="100000"/>
+              </a:lnSpc>
+            </a:pPr>
+            <a:r>
+              <a:rPr b="1" lang="pt-BR" sz="1600" spc="-1" strike="noStrike">
+                <a:solidFill>
+                  <a:srgbClr val="000000"/>
+                </a:solidFill>
+                <a:latin typeface="Arial"/>
+                <a:ea typeface="DejaVu Sans"/>
+              </a:rPr>
+              <a:t>Trabalhadores Envolvidos: Caixa</a:t>
+            </a:r>
+            <a:br/>
+            <a:endParaRPr b="0" lang="pt-BR" sz="1600" spc="-1" strike="noStrike">
+              <a:latin typeface="Arial"/>
+            </a:endParaRPr>
+          </a:p>
+          <a:p>
+            <a:pPr>
+              <a:lnSpc>
+                <a:spcPct val="100000"/>
+              </a:lnSpc>
+            </a:pPr>
+            <a:r>
+              <a:rPr b="0" lang="pt-BR" sz="1600" spc="-1" strike="noStrike">
+                <a:solidFill>
+                  <a:srgbClr val="000000"/>
+                </a:solidFill>
                 <a:latin typeface="Calibri"/>
                 <a:ea typeface="DejaVu Sans"/>
               </a:rPr>
-              <a:t>- Atualizar tá ficha de medidas com pagamento, calcular o troco se houver.</a:t>
-            </a:r>
-            <a:endParaRPr b="0" lang="pt-BR" sz="1600" spc="-1" strike="noStrike">
-              <a:latin typeface="Arial"/>
-            </a:endParaRPr>
-          </a:p>
-          <a:p>
-            <a:pPr>
-              <a:lnSpc>
-                <a:spcPct val="90000"/>
-              </a:lnSpc>
-              <a:spcBef>
-                <a:spcPts val="1001"/>
-              </a:spcBef>
-            </a:pPr>
-            <a:r>
-              <a:rPr b="0" lang="pt-BR" sz="1600" spc="-1" strike="noStrike">
-                <a:solidFill>
-                  <a:srgbClr val="000000"/>
-                </a:solidFill>
-                <a:latin typeface="Calibri"/>
-                <a:ea typeface="DejaVu Sans"/>
-              </a:rPr>
-              <a:t>- Fornecer o recibo e o troco se houver ao cliente.</a:t>
-            </a:r>
-            <a:endParaRPr b="0" lang="pt-BR" sz="1600" spc="-1" strike="noStrike">
-              <a:latin typeface="Arial"/>
-            </a:endParaRPr>
-          </a:p>
-          <a:p>
-            <a:pPr>
-              <a:lnSpc>
-                <a:spcPct val="90000"/>
-              </a:lnSpc>
-              <a:spcBef>
-                <a:spcPts val="1001"/>
-              </a:spcBef>
-            </a:pPr>
-            <a:r>
-              <a:rPr b="0" lang="pt-BR" sz="1600" spc="-1" strike="noStrike">
-                <a:solidFill>
-                  <a:srgbClr val="000000"/>
-                </a:solidFill>
-                <a:latin typeface="Calibri"/>
-                <a:ea typeface="DejaVu Sans"/>
-              </a:rPr>
-              <a:t>- Entregar o terno ao cliente.</a:t>
-            </a:r>
+              <a:t>- Caixa entrega 2º via do contrato + recibo para cliente.</a:t>
+            </a:r>
+            <a:endParaRPr b="0" lang="pt-BR" sz="1600" spc="-1" strike="noStrike">
+              <a:latin typeface="Arial"/>
+            </a:endParaRPr>
+          </a:p>
+          <a:p>
+            <a:pPr>
+              <a:lnSpc>
+                <a:spcPct val="100000"/>
+              </a:lnSpc>
+            </a:pPr>
             <a:endParaRPr b="0" lang="pt-BR" sz="1600" spc="-1" strike="noStrike">
               <a:latin typeface="Arial"/>
             </a:endParaRPr>

--- a/18 - Descrição dos Processo de Negocio.pptx
+++ b/18 - Descrição dos Processo de Negocio.pptx
@@ -10,8 +10,6 @@
     <p:sldId id="258" r:id="rId5"/>
     <p:sldId id="259" r:id="rId6"/>
     <p:sldId id="260" r:id="rId7"/>
-    <p:sldId id="261" r:id="rId8"/>
-    <p:sldId id="262" r:id="rId9"/>
   </p:sldIdLst>
   <p:sldSz cx="10080625" cy="5670550"/>
   <p:notesSz cx="7559675" cy="10691812"/>
@@ -1660,7 +1658,7 @@
         <p:spPr>
           <a:xfrm>
             <a:off x="360000" y="527760"/>
-            <a:ext cx="9879840" cy="4007880"/>
+            <a:ext cx="9879120" cy="4655880"/>
           </a:xfrm>
           <a:prstGeom prst="rect">
             <a:avLst/>
@@ -1795,47 +1793,67 @@
                 <a:latin typeface="Arial"/>
                 <a:ea typeface="DejaVu Sans"/>
               </a:rPr>
-              <a:t>Solicitar os pedidos realizados pelo cliente</a:t>
-            </a:r>
+              <a:t>Solicitar os pedidos realizados pelo cliente.</a:t>
+            </a:r>
+            <a:endParaRPr b="0" lang="pt-BR" sz="1600" spc="-1" strike="noStrike">
+              <a:latin typeface="Arial"/>
+            </a:endParaRPr>
+          </a:p>
+          <a:p>
+            <a:pPr>
+              <a:lnSpc>
+                <a:spcPct val="100000"/>
+              </a:lnSpc>
+            </a:pPr>
+            <a:endParaRPr b="0" lang="pt-BR" sz="1600" spc="-1" strike="noStrike">
+              <a:latin typeface="Arial"/>
+            </a:endParaRPr>
+          </a:p>
+          <a:p>
+            <a:pPr>
+              <a:lnSpc>
+                <a:spcPct val="100000"/>
+              </a:lnSpc>
+            </a:pPr>
+            <a:r>
+              <a:rPr b="1" lang="pt-BR" sz="1600" spc="-1" strike="noStrike">
+                <a:solidFill>
+                  <a:srgbClr val="000000"/>
+                </a:solidFill>
+                <a:latin typeface="Arial"/>
+                <a:ea typeface="DejaVu Sans"/>
+              </a:rPr>
+              <a:t>Trabalhadores Envolvidos: Atendente</a:t>
+            </a:r>
+            <a:endParaRPr b="0" lang="pt-BR" sz="1600" spc="-1" strike="noStrike">
+              <a:latin typeface="Arial"/>
+            </a:endParaRPr>
+          </a:p>
+          <a:p>
+            <a:pPr>
+              <a:lnSpc>
+                <a:spcPct val="100000"/>
+              </a:lnSpc>
+            </a:pPr>
+            <a:endParaRPr b="0" lang="pt-BR" sz="1600" spc="-1" strike="noStrike">
+              <a:latin typeface="Arial"/>
+            </a:endParaRPr>
+          </a:p>
+          <a:p>
+            <a:pPr>
+              <a:lnSpc>
+                <a:spcPct val="100000"/>
+              </a:lnSpc>
+            </a:pPr>
             <a:r>
               <a:rPr b="0" lang="pt-BR" sz="1600" spc="-1" strike="noStrike">
                 <a:solidFill>
                   <a:srgbClr val="000000"/>
                 </a:solidFill>
-                <a:latin typeface="Arial"/>
-                <a:ea typeface="DejaVu Sans"/>
-              </a:rPr>
-              <a:t>.</a:t>
-            </a:r>
-            <a:endParaRPr b="0" lang="pt-BR" sz="1600" spc="-1" strike="noStrike">
-              <a:latin typeface="Arial"/>
-            </a:endParaRPr>
-          </a:p>
-          <a:p>
-            <a:pPr>
-              <a:lnSpc>
-                <a:spcPct val="100000"/>
-              </a:lnSpc>
-            </a:pPr>
-            <a:endParaRPr b="0" lang="pt-BR" sz="1600" spc="-1" strike="noStrike">
-              <a:latin typeface="Arial"/>
-            </a:endParaRPr>
-          </a:p>
-          <a:p>
-            <a:pPr>
-              <a:lnSpc>
-                <a:spcPct val="100000"/>
-              </a:lnSpc>
-            </a:pPr>
-            <a:r>
-              <a:rPr b="1" lang="pt-BR" sz="1600" spc="-1" strike="noStrike">
-                <a:solidFill>
-                  <a:srgbClr val="000000"/>
-                </a:solidFill>
-                <a:latin typeface="Arial"/>
-                <a:ea typeface="DejaVu Sans"/>
-              </a:rPr>
-              <a:t>Trabalhadores Envolvidos: Atendente</a:t>
+                <a:latin typeface="Calibri"/>
+                <a:ea typeface="DejaVu Sans"/>
+              </a:rPr>
+              <a:t>- Se não houver nenhum traje a rigor com as condições, informar ao cliente que a loja não possui o traje a rigor (condições invalidas) e finalizar.</a:t>
             </a:r>
             <a:endParaRPr b="0" lang="pt-BR" sz="1600" spc="-1" strike="noStrike">
               <a:latin typeface="Arial"/>
@@ -1865,28 +1883,10 @@
                 <a:latin typeface="Calibri"/>
                 <a:ea typeface="DejaVu Sans"/>
               </a:rPr>
-              <a:t>- Cliente informa as preferências e solicita um Traje a Rigor.</a:t>
-            </a:r>
-            <a:endParaRPr b="0" lang="pt-BR" sz="1600" spc="-1" strike="noStrike">
-              <a:latin typeface="Arial"/>
-            </a:endParaRPr>
-          </a:p>
-          <a:p>
-            <a:pPr>
-              <a:lnSpc>
-                <a:spcPct val="100000"/>
-              </a:lnSpc>
-            </a:pPr>
-            <a:endParaRPr b="0" lang="pt-BR" sz="1600" spc="-1" strike="noStrike">
-              <a:latin typeface="Arial"/>
-            </a:endParaRPr>
-          </a:p>
-          <a:p>
-            <a:pPr>
-              <a:lnSpc>
-                <a:spcPct val="100000"/>
-              </a:lnSpc>
-            </a:pPr>
+              <a:t>- Caso necessário, atendente tira as medidas do cliente e preenche a ficha de medidas.</a:t>
+            </a:r>
+            <a:br/>
+            <a:br/>
             <a:r>
               <a:rPr b="0" lang="pt-BR" sz="1600" spc="-1" strike="noStrike">
                 <a:solidFill>
@@ -1895,68 +1895,28 @@
                 <a:latin typeface="Calibri"/>
                 <a:ea typeface="DejaVu Sans"/>
               </a:rPr>
-              <a:t>- Atendente apresenta as opções disponíveis</a:t>
-            </a:r>
-            <a:endParaRPr b="0" lang="pt-BR" sz="1600" spc="-1" strike="noStrike">
-              <a:latin typeface="Arial"/>
-            </a:endParaRPr>
-          </a:p>
-          <a:p>
-            <a:pPr>
-              <a:lnSpc>
-                <a:spcPct val="100000"/>
-              </a:lnSpc>
-            </a:pPr>
-            <a:endParaRPr b="0" lang="pt-BR" sz="1600" spc="-1" strike="noStrike">
-              <a:latin typeface="Arial"/>
-            </a:endParaRPr>
-          </a:p>
-          <a:p>
-            <a:pPr>
-              <a:lnSpc>
-                <a:spcPct val="100000"/>
-              </a:lnSpc>
-            </a:pPr>
-            <a:r>
-              <a:rPr b="0" lang="pt-BR" sz="1600" spc="-1" strike="noStrike">
-                <a:solidFill>
-                  <a:srgbClr val="000000"/>
-                </a:solidFill>
-                <a:latin typeface="Calibri"/>
-                <a:ea typeface="DejaVu Sans"/>
-              </a:rPr>
-              <a:t>- Caso necessário, atendente tira as medidas do cliente e preenche a ficha de medidas.</a:t>
-            </a:r>
-            <a:endParaRPr b="0" lang="pt-BR" sz="1600" spc="-1" strike="noStrike">
-              <a:latin typeface="Arial"/>
-            </a:endParaRPr>
-          </a:p>
-          <a:p>
-            <a:pPr>
-              <a:lnSpc>
-                <a:spcPct val="100000"/>
-              </a:lnSpc>
-            </a:pPr>
-            <a:endParaRPr b="0" lang="pt-BR" sz="1600" spc="-1" strike="noStrike">
-              <a:latin typeface="Arial"/>
-            </a:endParaRPr>
-          </a:p>
-          <a:p>
-            <a:pPr>
-              <a:lnSpc>
-                <a:spcPct val="100000"/>
-              </a:lnSpc>
-            </a:pPr>
-            <a:r>
-              <a:rPr b="0" lang="pt-BR" sz="1600" spc="-1" strike="noStrike">
-                <a:solidFill>
-                  <a:srgbClr val="000000"/>
-                </a:solidFill>
-                <a:latin typeface="Calibri"/>
-                <a:ea typeface="DejaVu Sans"/>
-              </a:rPr>
-              <a:t>- Se não houver nenhum terno com as condições, informar ao cliente que a loja não possui o terno (condições invalidas) e finalizar.</a:t>
-            </a:r>
+              <a:t>- É emitido o contrato de locação, valor, data de retirada e data de devolução.</a:t>
+            </a:r>
+            <a:endParaRPr b="0" lang="pt-BR" sz="1600" spc="-1" strike="noStrike">
+              <a:latin typeface="Arial"/>
+            </a:endParaRPr>
+          </a:p>
+          <a:p>
+            <a:pPr>
+              <a:lnSpc>
+                <a:spcPct val="100000"/>
+              </a:lnSpc>
+            </a:pPr>
+            <a:endParaRPr b="0" lang="pt-BR" sz="1600" spc="-1" strike="noStrike">
+              <a:latin typeface="Arial"/>
+            </a:endParaRPr>
+          </a:p>
+          <a:p>
+            <a:pPr>
+              <a:lnSpc>
+                <a:spcPct val="100000"/>
+              </a:lnSpc>
+            </a:pPr>
             <a:endParaRPr b="0" lang="pt-BR" sz="1600" spc="-1" strike="noStrike">
               <a:latin typeface="Arial"/>
             </a:endParaRPr>
@@ -2002,7 +1962,7 @@
         <p:spPr>
           <a:xfrm>
             <a:off x="343800" y="432000"/>
-            <a:ext cx="9879840" cy="4373640"/>
+            <a:ext cx="9879120" cy="4372920"/>
           </a:xfrm>
           <a:prstGeom prst="rect">
             <a:avLst/>
@@ -2057,7 +2017,7 @@
                 <a:latin typeface="Arial"/>
                 <a:ea typeface="DejaVu Sans"/>
               </a:rPr>
-              <a:t>Locar Traje a Rigor</a:t>
+              <a:t>Receber Contrato Assinado + Pagamento em Dinheiro</a:t>
             </a:r>
             <a:endParaRPr b="0" lang="pt-BR" sz="1600" spc="-1" strike="noStrike">
               <a:latin typeface="Arial"/>
@@ -2097,7 +2057,7 @@
                 <a:latin typeface="Arial"/>
                 <a:ea typeface="DejaVu Sans"/>
               </a:rPr>
-              <a:t>Cliente entrega contrato + pagamento em dinheiro</a:t>
+              <a:t>Cliente entrega contrato assinado + pagamento em dinheiro</a:t>
             </a:r>
             <a:endParaRPr b="0" lang="pt-BR" sz="1600" spc="-1" strike="noStrike">
               <a:latin typeface="Arial"/>
@@ -2188,10 +2148,28 @@
                 <a:latin typeface="Calibri"/>
                 <a:ea typeface="DejaVu Sans"/>
               </a:rPr>
-              <a:t>- Cliente assina contrato de locação.</a:t>
-            </a:r>
-            <a:br/>
-            <a:br/>
+              <a:t>- Recebe o contrato de locação assinado + pagamento em dinheiro.</a:t>
+            </a:r>
+            <a:endParaRPr b="0" lang="pt-BR" sz="1600" spc="-1" strike="noStrike">
+              <a:latin typeface="Arial"/>
+            </a:endParaRPr>
+          </a:p>
+          <a:p>
+            <a:pPr>
+              <a:lnSpc>
+                <a:spcPct val="100000"/>
+              </a:lnSpc>
+            </a:pPr>
+            <a:endParaRPr b="0" lang="pt-BR" sz="1600" spc="-1" strike="noStrike">
+              <a:latin typeface="Arial"/>
+            </a:endParaRPr>
+          </a:p>
+          <a:p>
+            <a:pPr>
+              <a:lnSpc>
+                <a:spcPct val="100000"/>
+              </a:lnSpc>
+            </a:pPr>
             <a:r>
               <a:rPr b="0" lang="pt-BR" sz="1600" spc="-1" strike="noStrike">
                 <a:solidFill>
@@ -2200,9 +2178,8 @@
                 <a:latin typeface="Calibri"/>
                 <a:ea typeface="DejaVu Sans"/>
               </a:rPr>
-              <a:t>- Cliente verifica valores para serem pagos</a:t>
-            </a:r>
-            <a:br/>
+              <a:t>- Entrega recibo + (troco) + via do contrato assinado.</a:t>
+            </a:r>
             <a:endParaRPr b="0" lang="pt-BR" sz="1600" spc="-1" strike="noStrike">
               <a:latin typeface="Arial"/>
             </a:endParaRPr>
@@ -2248,7 +2225,7 @@
         <p:spPr>
           <a:xfrm>
             <a:off x="360000" y="432000"/>
-            <a:ext cx="9879840" cy="4603320"/>
+            <a:ext cx="9879120" cy="4602600"/>
           </a:xfrm>
           <a:prstGeom prst="rect">
             <a:avLst/>
@@ -2444,7 +2421,7 @@
                 <a:latin typeface="Calibri"/>
                 <a:ea typeface="DejaVu Sans"/>
               </a:rPr>
-              <a:t>- Costureira verifica Ficha de Medidas.</a:t>
+              <a:t>- É verificada a Ficha de Medidas.</a:t>
             </a:r>
             <a:endParaRPr b="0" lang="pt-BR" sz="1600" spc="-1" strike="noStrike">
               <a:latin typeface="Arial"/>
@@ -2474,7 +2451,7 @@
                 <a:latin typeface="Calibri"/>
                 <a:ea typeface="DejaVu Sans"/>
               </a:rPr>
-              <a:t>- Costureira verifica Traje a Rigor.</a:t>
+              <a:t>- É verificado o Traje a Rigor.</a:t>
             </a:r>
             <a:endParaRPr b="0" lang="pt-BR" sz="1600" spc="-1" strike="noStrike">
               <a:latin typeface="Arial"/>
@@ -2504,7 +2481,7 @@
                 <a:latin typeface="Calibri"/>
                 <a:ea typeface="DejaVu Sans"/>
               </a:rPr>
-              <a:t>- Costureira ajusta Traje a Rigor.</a:t>
+              <a:t>- É ajustado o Traje a Rigor.</a:t>
             </a:r>
             <a:endParaRPr b="0" lang="pt-BR" sz="1600" spc="-1" strike="noStrike">
               <a:latin typeface="Arial"/>
@@ -2534,7 +2511,7 @@
                 <a:latin typeface="Calibri"/>
                 <a:ea typeface="DejaVu Sans"/>
               </a:rPr>
-              <a:t>- Costureira devolve Traje a Rigor justado para retirada.</a:t>
+              <a:t>- Traje a Rigor ajustado é devolvido para ser retirado.</a:t>
             </a:r>
             <a:endParaRPr b="0" lang="pt-BR" sz="1600" spc="-1" strike="noStrike">
               <a:latin typeface="Arial"/>
@@ -2581,7 +2558,7 @@
         <p:spPr>
           <a:xfrm>
             <a:off x="360000" y="432000"/>
-            <a:ext cx="9879840" cy="4603320"/>
+            <a:ext cx="9879120" cy="4602600"/>
           </a:xfrm>
           <a:prstGeom prst="rect">
             <a:avLst/>
@@ -2686,7 +2663,7 @@
                 <a:latin typeface="Arial"/>
                 <a:ea typeface="DejaVu Sans"/>
               </a:rPr>
-              <a:t>Cliente entrega contrato assinado + pagamento em dinheiro + recibo.</a:t>
+              <a:t>Cliente entrega contrato assinado + recibo.</a:t>
             </a:r>
             <a:endParaRPr b="0" lang="pt-BR" sz="1600" spc="-1" strike="noStrike">
               <a:latin typeface="Arial"/>
@@ -2716,7 +2693,7 @@
                 <a:latin typeface="Arial"/>
                 <a:ea typeface="DejaVu Sans"/>
               </a:rPr>
-              <a:t>Objetivo: </a:t>
+              <a:t>Objetivo:</a:t>
             </a:r>
             <a:r>
               <a:rPr b="0" lang="pt-BR" sz="1600" spc="-1" strike="noStrike">
@@ -2726,7 +2703,17 @@
                 <a:latin typeface="Arial"/>
                 <a:ea typeface="DejaVu Sans"/>
               </a:rPr>
-              <a:t>Verificar Pedido.</a:t>
+              <a:t> Verificação e entrega de pedido para o cliente</a:t>
+            </a:r>
+            <a:r>
+              <a:rPr b="0" lang="pt-BR" sz="1600" spc="-1" strike="noStrike">
+                <a:solidFill>
+                  <a:srgbClr val="000000"/>
+                </a:solidFill>
+                <a:latin typeface="Arial"/>
+                <a:ea typeface="DejaVu Sans"/>
+              </a:rPr>
+              <a:t>.</a:t>
             </a:r>
             <a:endParaRPr b="0" lang="pt-BR" sz="1600" spc="-1" strike="noStrike">
               <a:latin typeface="Arial"/>
@@ -2758,17 +2745,38 @@
               </a:rPr>
               <a:t>Trabalhadores Envolvidos: Caixa</a:t>
             </a:r>
+            <a:endParaRPr b="0" lang="pt-BR" sz="1600" spc="-1" strike="noStrike">
+              <a:latin typeface="Arial"/>
+            </a:endParaRPr>
+          </a:p>
+          <a:p>
+            <a:pPr>
+              <a:lnSpc>
+                <a:spcPct val="100000"/>
+              </a:lnSpc>
+            </a:pPr>
+            <a:endParaRPr b="0" lang="pt-BR" sz="1600" spc="-1" strike="noStrike">
+              <a:latin typeface="Arial"/>
+            </a:endParaRPr>
+          </a:p>
+          <a:p>
+            <a:pPr>
+              <a:lnSpc>
+                <a:spcPct val="100000"/>
+              </a:lnSpc>
+            </a:pPr>
+            <a:r>
+              <a:rPr b="0" lang="pt-BR" sz="1600" spc="-1" strike="noStrike">
+                <a:solidFill>
+                  <a:srgbClr val="000000"/>
+                </a:solidFill>
+                <a:latin typeface="Calibri"/>
+                <a:ea typeface="DejaVu Sans"/>
+              </a:rPr>
+              <a:t>- É verificado o contrato de locação + recibo de pagamento</a:t>
+            </a:r>
             <a:br/>
-            <a:endParaRPr b="0" lang="pt-BR" sz="1600" spc="-1" strike="noStrike">
-              <a:latin typeface="Arial"/>
-            </a:endParaRPr>
-          </a:p>
-          <a:p>
-            <a:pPr>
-              <a:lnSpc>
-                <a:spcPct val="100000"/>
-              </a:lnSpc>
-            </a:pPr>
+            <a:br/>
             <a:r>
               <a:rPr b="0" lang="pt-BR" sz="1600" spc="-1" strike="noStrike">
                 <a:solidFill>
@@ -2777,7 +2785,7 @@
                 <a:latin typeface="Calibri"/>
                 <a:ea typeface="DejaVu Sans"/>
               </a:rPr>
-              <a:t>- Cliente entrega numero de pedido</a:t>
+              <a:t>- É entregue o Traje a Rigor para cliente.</a:t>
             </a:r>
             <a:endParaRPr b="0" lang="pt-BR" sz="1600" spc="-1" strike="noStrike">
               <a:latin typeface="Arial"/>
@@ -2807,7 +2815,37 @@
                 <a:latin typeface="Calibri"/>
                 <a:ea typeface="DejaVu Sans"/>
               </a:rPr>
-              <a:t>- Caixa verifica numero data de retirada com contrato de locação + recibo de pagamento</a:t>
+              <a:t>- É entregue a 2º via do contrato assinado.</a:t>
+            </a:r>
+            <a:endParaRPr b="0" lang="pt-BR" sz="1600" spc="-1" strike="noStrike">
+              <a:latin typeface="Arial"/>
+            </a:endParaRPr>
+          </a:p>
+          <a:p>
+            <a:pPr>
+              <a:lnSpc>
+                <a:spcPct val="100000"/>
+              </a:lnSpc>
+            </a:pPr>
+            <a:endParaRPr b="0" lang="pt-BR" sz="1600" spc="-1" strike="noStrike">
+              <a:latin typeface="Arial"/>
+            </a:endParaRPr>
+          </a:p>
+          <a:p>
+            <a:pPr>
+              <a:lnSpc>
+                <a:spcPct val="100000"/>
+              </a:lnSpc>
+            </a:pPr>
+            <a:r>
+              <a:rPr b="0" lang="pt-BR" sz="1600" spc="-1" strike="noStrike">
+                <a:solidFill>
+                  <a:srgbClr val="000000"/>
+                </a:solidFill>
+                <a:latin typeface="Calibri"/>
+                <a:ea typeface="DejaVu Sans"/>
+              </a:rPr>
+              <a:t>- É entregue o recibo de pagamento.</a:t>
             </a:r>
             <a:endParaRPr b="0" lang="pt-BR" sz="1600" spc="-1" strike="noStrike">
               <a:latin typeface="Arial"/>
@@ -2864,7 +2902,7 @@
         <p:spPr>
           <a:xfrm>
             <a:off x="360000" y="432000"/>
-            <a:ext cx="9879840" cy="4603320"/>
+            <a:ext cx="9879120" cy="4602600"/>
           </a:xfrm>
           <a:prstGeom prst="rect">
             <a:avLst/>
@@ -2919,7 +2957,7 @@
                 <a:latin typeface="Arial"/>
                 <a:ea typeface="DejaVu Sans"/>
               </a:rPr>
-              <a:t>Retirar</a:t>
+              <a:t>Devolver</a:t>
             </a:r>
             <a:r>
               <a:rPr b="1" lang="pt-BR" sz="1600" spc="-1" strike="noStrike">
@@ -2969,7 +3007,7 @@
                 <a:latin typeface="Arial"/>
                 <a:ea typeface="DejaVu Sans"/>
               </a:rPr>
-              <a:t>Caixa entrega Traje a rigor para cliente + 2º via contrato + recibo.</a:t>
+              <a:t>Cliente devolve traje a rigor + contrato assinado + recibo.</a:t>
             </a:r>
             <a:endParaRPr b="0" lang="pt-BR" sz="1600" spc="-1" strike="noStrike">
               <a:latin typeface="Arial"/>
@@ -3000,7 +3038,7 @@
                 <a:latin typeface="Arial"/>
                 <a:ea typeface="DejaVu Sans"/>
               </a:rPr>
-              <a:t>Entregar pedido para cliente.</a:t>
+              <a:t>Recepcionar a devolução do Traje a Rigor.</a:t>
             </a:r>
             <a:endParaRPr b="0" lang="pt-BR" sz="1600" spc="-1" strike="noStrike">
               <a:latin typeface="Arial"/>
@@ -3033,25 +3071,37 @@
               <a:t>Trabalhadores Envolvidos: Caixa</a:t>
             </a:r>
             <a:br/>
-            <a:endParaRPr b="0" lang="pt-BR" sz="1600" spc="-1" strike="noStrike">
-              <a:latin typeface="Arial"/>
-            </a:endParaRPr>
-          </a:p>
-          <a:p>
-            <a:pPr>
-              <a:lnSpc>
-                <a:spcPct val="100000"/>
-              </a:lnSpc>
-            </a:pPr>
+            <a:br/>
             <a:r>
               <a:rPr b="0" lang="pt-BR" sz="1600" spc="-1" strike="noStrike">
                 <a:solidFill>
                   <a:srgbClr val="000000"/>
                 </a:solidFill>
+                <a:latin typeface="Arial"/>
+                <a:ea typeface="DejaVu Sans"/>
+              </a:rPr>
+              <a:t>- É verificada a data de entregua do traje a rigor</a:t>
+            </a:r>
+            <a:br/>
+            <a:endParaRPr b="0" lang="pt-BR" sz="1600" spc="-1" strike="noStrike">
+              <a:latin typeface="Arial"/>
+            </a:endParaRPr>
+          </a:p>
+          <a:p>
+            <a:pPr>
+              <a:lnSpc>
+                <a:spcPct val="100000"/>
+              </a:lnSpc>
+            </a:pPr>
+            <a:r>
+              <a:rPr b="0" lang="pt-BR" sz="1600" spc="-1" strike="noStrike">
+                <a:solidFill>
+                  <a:srgbClr val="000000"/>
+                </a:solidFill>
                 <a:latin typeface="Calibri"/>
                 <a:ea typeface="DejaVu Sans"/>
               </a:rPr>
-              <a:t>- Caixa entrega Traje a Rigor para cliente.</a:t>
+              <a:t>- É verificadao se o traje a rigor devolvido está nas condições combinadas conforme contrato de locação.</a:t>
             </a:r>
             <a:endParaRPr b="0" lang="pt-BR" sz="1600" spc="-1" strike="noStrike">
               <a:latin typeface="Arial"/>
@@ -3081,615 +3131,7 @@
                 <a:latin typeface="Calibri"/>
                 <a:ea typeface="DejaVu Sans"/>
               </a:rPr>
-              <a:t>- Caixa entrega 2º via do contrato assinado para cliente.</a:t>
-            </a:r>
-            <a:endParaRPr b="0" lang="pt-BR" sz="1600" spc="-1" strike="noStrike">
-              <a:latin typeface="Arial"/>
-            </a:endParaRPr>
-          </a:p>
-          <a:p>
-            <a:pPr>
-              <a:lnSpc>
-                <a:spcPct val="100000"/>
-              </a:lnSpc>
-            </a:pPr>
-            <a:endParaRPr b="0" lang="pt-BR" sz="1600" spc="-1" strike="noStrike">
-              <a:latin typeface="Arial"/>
-            </a:endParaRPr>
-          </a:p>
-          <a:p>
-            <a:pPr>
-              <a:lnSpc>
-                <a:spcPct val="100000"/>
-              </a:lnSpc>
-            </a:pPr>
-            <a:r>
-              <a:rPr b="0" lang="pt-BR" sz="1600" spc="-1" strike="noStrike">
-                <a:solidFill>
-                  <a:srgbClr val="000000"/>
-                </a:solidFill>
-                <a:latin typeface="Calibri"/>
-                <a:ea typeface="DejaVu Sans"/>
-              </a:rPr>
-              <a:t>- Caixa entrega recibo de pagamento para cliente.</a:t>
-            </a:r>
-            <a:endParaRPr b="0" lang="pt-BR" sz="1600" spc="-1" strike="noStrike">
-              <a:latin typeface="Arial"/>
-            </a:endParaRPr>
-          </a:p>
-          <a:p>
-            <a:pPr>
-              <a:lnSpc>
-                <a:spcPct val="100000"/>
-              </a:lnSpc>
-            </a:pPr>
-            <a:endParaRPr b="0" lang="pt-BR" sz="1600" spc="-1" strike="noStrike">
-              <a:latin typeface="Arial"/>
-            </a:endParaRPr>
-          </a:p>
-        </p:txBody>
-      </p:sp>
-    </p:spTree>
-  </p:cSld>
-  <mc:AlternateContent>
-    <mc:Choice Requires="p14">
-      <p:transition spd="slow" p14:dur="2000"/>
-    </mc:Choice>
-    <mc:Fallback>
-      <p:transition spd="slow"/>
-    </mc:Fallback>
-  </mc:AlternateContent>
-</p:sld>
-</file>
-
-<file path=ppt/slides/slide6.xml><?xml version="1.0" encoding="utf-8"?>
-<p:sld xmlns:a="http://schemas.openxmlformats.org/drawingml/2006/main" xmlns:p="http://schemas.openxmlformats.org/presentationml/2006/main" xmlns:r="http://schemas.openxmlformats.org/officeDocument/2006/relationships" xmlns:p14="http://schemas.microsoft.com/office/powerpoint/2010/main" xmlns:p15="http://schemas.microsoft.com/office/powerpoint/2012/main" xmlns:mc="http://schemas.openxmlformats.org/markup-compatibility/2006">
-  <p:cSld>
-    <p:spTree>
-      <p:nvGrpSpPr>
-        <p:cNvPr id="1" name=""/>
-        <p:cNvGrpSpPr/>
-        <p:nvPr/>
-      </p:nvGrpSpPr>
-      <p:grpSpPr>
-        <a:xfrm>
-          <a:off x="0" y="0"/>
-          <a:ext cx="0" cy="0"/>
-          <a:chOff x="0" y="0"/>
-          <a:chExt cx="0" cy="0"/>
-        </a:xfrm>
-      </p:grpSpPr>
-      <p:sp>
-        <p:nvSpPr>
-          <p:cNvPr id="43" name="CustomShape 1"/>
-          <p:cNvSpPr/>
-          <p:nvPr/>
-        </p:nvSpPr>
-        <p:spPr>
-          <a:xfrm>
-            <a:off x="360000" y="432000"/>
-            <a:ext cx="9879840" cy="4603320"/>
-          </a:xfrm>
-          <a:prstGeom prst="rect">
-            <a:avLst/>
-          </a:prstGeom>
-          <a:noFill/>
-          <a:ln>
-            <a:noFill/>
-          </a:ln>
-        </p:spPr>
-        <p:style>
-          <a:lnRef idx="0"/>
-          <a:fillRef idx="0"/>
-          <a:effectRef idx="0"/>
-          <a:fontRef idx="minor"/>
-        </p:style>
-        <p:txBody>
-          <a:bodyPr lIns="90000" rIns="90000" tIns="45000" bIns="45000">
-            <a:noAutofit/>
-          </a:bodyPr>
-          <a:p>
-            <a:pPr>
-              <a:lnSpc>
-                <a:spcPct val="100000"/>
-              </a:lnSpc>
-            </a:pPr>
-            <a:r>
-              <a:rPr b="0" lang="pt-BR" sz="4400" spc="-1" strike="noStrike">
-                <a:solidFill>
-                  <a:srgbClr val="000000"/>
-                </a:solidFill>
-                <a:latin typeface="Arial"/>
-                <a:ea typeface="DejaVu Sans"/>
-              </a:rPr>
-              <a:t>Descrição do processo negócio</a:t>
-            </a:r>
-            <a:endParaRPr b="0" lang="pt-BR" sz="4400" spc="-1" strike="noStrike">
-              <a:latin typeface="Arial"/>
-            </a:endParaRPr>
-          </a:p>
-          <a:p>
-            <a:pPr>
-              <a:lnSpc>
-                <a:spcPct val="100000"/>
-              </a:lnSpc>
-            </a:pPr>
-            <a:br/>
-            <a:r>
-              <a:rPr b="1" lang="pt-BR" sz="1800" spc="-1" strike="noStrike">
-                <a:solidFill>
-                  <a:srgbClr val="000000"/>
-                </a:solidFill>
-                <a:latin typeface="Arial"/>
-                <a:ea typeface="DejaVu Sans"/>
-              </a:rPr>
-              <a:t>Devolver</a:t>
-            </a:r>
-            <a:r>
-              <a:rPr b="1" lang="pt-BR" sz="1600" spc="-1" strike="noStrike">
-                <a:solidFill>
-                  <a:srgbClr val="000000"/>
-                </a:solidFill>
-                <a:latin typeface="Arial"/>
-                <a:ea typeface="DejaVu Sans"/>
-              </a:rPr>
-              <a:t> Traje a Rigor</a:t>
-            </a:r>
-            <a:endParaRPr b="0" lang="pt-BR" sz="1600" spc="-1" strike="noStrike">
-              <a:latin typeface="Arial"/>
-            </a:endParaRPr>
-          </a:p>
-          <a:p>
-            <a:pPr>
-              <a:lnSpc>
-                <a:spcPct val="100000"/>
-              </a:lnSpc>
-            </a:pPr>
-            <a:endParaRPr b="0" lang="pt-BR" sz="1600" spc="-1" strike="noStrike">
-              <a:latin typeface="Arial"/>
-            </a:endParaRPr>
-          </a:p>
-          <a:p>
-            <a:pPr>
-              <a:lnSpc>
-                <a:spcPct val="100000"/>
-              </a:lnSpc>
-            </a:pPr>
-            <a:r>
-              <a:rPr b="1" lang="pt-BR" sz="1600" spc="-1" strike="noStrike">
-                <a:solidFill>
-                  <a:srgbClr val="000000"/>
-                </a:solidFill>
-                <a:latin typeface="Arial"/>
-                <a:ea typeface="DejaVu Sans"/>
-              </a:rPr>
-              <a:t>Evento: </a:t>
-            </a:r>
-            <a:r>
-              <a:rPr b="0" lang="pt-BR" sz="1600" spc="-1" strike="noStrike">
-                <a:solidFill>
-                  <a:srgbClr val="000000"/>
-                </a:solidFill>
-                <a:latin typeface="Arial"/>
-                <a:ea typeface="DejaVu Sans"/>
-              </a:rPr>
-              <a:t>Cliente devolve traje a Rigor</a:t>
-            </a:r>
-            <a:r>
-              <a:rPr b="0" lang="pt-BR" sz="1600" spc="-1" strike="noStrike">
-                <a:solidFill>
-                  <a:srgbClr val="000000"/>
-                </a:solidFill>
-                <a:latin typeface="Arial"/>
-                <a:ea typeface="DejaVu Sans"/>
-              </a:rPr>
-              <a:t> </a:t>
-            </a:r>
-            <a:r>
-              <a:rPr b="0" lang="pt-BR" sz="1600" spc="-1" strike="noStrike">
-                <a:solidFill>
-                  <a:srgbClr val="000000"/>
-                </a:solidFill>
-                <a:latin typeface="Arial"/>
-                <a:ea typeface="DejaVu Sans"/>
-              </a:rPr>
-              <a:t>+ 2º via contrato + recibo.</a:t>
-            </a:r>
-            <a:endParaRPr b="0" lang="pt-BR" sz="1600" spc="-1" strike="noStrike">
-              <a:latin typeface="Arial"/>
-            </a:endParaRPr>
-          </a:p>
-          <a:p>
-            <a:pPr>
-              <a:lnSpc>
-                <a:spcPct val="100000"/>
-              </a:lnSpc>
-            </a:pPr>
-            <a:br/>
-            <a:r>
-              <a:rPr b="1" lang="pt-BR" sz="1600" spc="-1" strike="noStrike">
-                <a:solidFill>
-                  <a:srgbClr val="000000"/>
-                </a:solidFill>
-                <a:latin typeface="Arial"/>
-                <a:ea typeface="DejaVu Sans"/>
-              </a:rPr>
-              <a:t>Objetivo: </a:t>
-            </a:r>
-            <a:r>
-              <a:rPr b="0" lang="pt-BR" sz="1600" spc="-1" strike="noStrike">
-                <a:solidFill>
-                  <a:srgbClr val="000000"/>
-                </a:solidFill>
-                <a:latin typeface="Arial"/>
-                <a:ea typeface="DejaVu Sans"/>
-              </a:rPr>
-              <a:t>Recepcionar Traje a Rigor.</a:t>
-            </a:r>
-            <a:endParaRPr b="0" lang="pt-BR" sz="1600" spc="-1" strike="noStrike">
-              <a:latin typeface="Arial"/>
-            </a:endParaRPr>
-          </a:p>
-          <a:p>
-            <a:pPr>
-              <a:lnSpc>
-                <a:spcPct val="100000"/>
-              </a:lnSpc>
-            </a:pPr>
-            <a:endParaRPr b="0" lang="pt-BR" sz="1600" spc="-1" strike="noStrike">
-              <a:latin typeface="Arial"/>
-            </a:endParaRPr>
-          </a:p>
-          <a:p>
-            <a:pPr>
-              <a:lnSpc>
-                <a:spcPct val="100000"/>
-              </a:lnSpc>
-            </a:pPr>
-            <a:r>
-              <a:rPr b="1" lang="pt-BR" sz="1600" spc="-1" strike="noStrike">
-                <a:solidFill>
-                  <a:srgbClr val="000000"/>
-                </a:solidFill>
-                <a:latin typeface="Arial"/>
-                <a:ea typeface="DejaVu Sans"/>
-              </a:rPr>
-              <a:t>Trabalhadores Envolvidos: Caixa</a:t>
-            </a:r>
-            <a:br/>
-            <a:endParaRPr b="0" lang="pt-BR" sz="1600" spc="-1" strike="noStrike">
-              <a:latin typeface="Arial"/>
-            </a:endParaRPr>
-          </a:p>
-          <a:p>
-            <a:pPr>
-              <a:lnSpc>
-                <a:spcPct val="100000"/>
-              </a:lnSpc>
-            </a:pPr>
-            <a:r>
-              <a:rPr b="0" lang="pt-BR" sz="1600" spc="-1" strike="noStrike">
-                <a:solidFill>
-                  <a:srgbClr val="000000"/>
-                </a:solidFill>
-                <a:latin typeface="Calibri"/>
-                <a:ea typeface="DejaVu Sans"/>
-              </a:rPr>
-              <a:t>- Cliente entrega traje a rigor + 2º via do contrato + recibo para caixa.</a:t>
-            </a:r>
-            <a:endParaRPr b="0" lang="pt-BR" sz="1600" spc="-1" strike="noStrike">
-              <a:latin typeface="Arial"/>
-            </a:endParaRPr>
-          </a:p>
-          <a:p>
-            <a:pPr>
-              <a:lnSpc>
-                <a:spcPct val="100000"/>
-              </a:lnSpc>
-            </a:pPr>
-            <a:endParaRPr b="0" lang="pt-BR" sz="1600" spc="-1" strike="noStrike">
-              <a:latin typeface="Arial"/>
-            </a:endParaRPr>
-          </a:p>
-          <a:p>
-            <a:pPr>
-              <a:lnSpc>
-                <a:spcPct val="100000"/>
-              </a:lnSpc>
-            </a:pPr>
-            <a:r>
-              <a:rPr b="0" lang="pt-BR" sz="1600" spc="-1" strike="noStrike">
-                <a:solidFill>
-                  <a:srgbClr val="000000"/>
-                </a:solidFill>
-                <a:latin typeface="Calibri"/>
-                <a:ea typeface="DejaVu Sans"/>
-              </a:rPr>
-              <a:t>- Caixa checa traje devolvido com contrato de locação.</a:t>
-            </a:r>
-            <a:endParaRPr b="0" lang="pt-BR" sz="1600" spc="-1" strike="noStrike">
-              <a:latin typeface="Arial"/>
-            </a:endParaRPr>
-          </a:p>
-          <a:p>
-            <a:pPr>
-              <a:lnSpc>
-                <a:spcPct val="100000"/>
-              </a:lnSpc>
-            </a:pPr>
-            <a:endParaRPr b="0" lang="pt-BR" sz="1600" spc="-1" strike="noStrike">
-              <a:latin typeface="Arial"/>
-            </a:endParaRPr>
-          </a:p>
-          <a:p>
-            <a:pPr>
-              <a:lnSpc>
-                <a:spcPct val="100000"/>
-              </a:lnSpc>
-            </a:pPr>
-            <a:r>
-              <a:rPr b="0" lang="pt-BR" sz="1600" spc="-1" strike="noStrike">
-                <a:solidFill>
-                  <a:srgbClr val="000000"/>
-                </a:solidFill>
-                <a:latin typeface="Calibri"/>
-                <a:ea typeface="DejaVu Sans"/>
-              </a:rPr>
-              <a:t>- Caixa checa eventuais condições de pagamento.</a:t>
-            </a:r>
-            <a:endParaRPr b="0" lang="pt-BR" sz="1600" spc="-1" strike="noStrike">
-              <a:latin typeface="Arial"/>
-            </a:endParaRPr>
-          </a:p>
-          <a:p>
-            <a:pPr>
-              <a:lnSpc>
-                <a:spcPct val="100000"/>
-              </a:lnSpc>
-            </a:pPr>
-            <a:endParaRPr b="0" lang="pt-BR" sz="1600" spc="-1" strike="noStrike">
-              <a:latin typeface="Arial"/>
-            </a:endParaRPr>
-          </a:p>
-        </p:txBody>
-      </p:sp>
-    </p:spTree>
-  </p:cSld>
-  <mc:AlternateContent>
-    <mc:Choice Requires="p14">
-      <p:transition spd="slow" p14:dur="2000"/>
-    </mc:Choice>
-    <mc:Fallback>
-      <p:transition spd="slow"/>
-    </mc:Fallback>
-  </mc:AlternateContent>
-</p:sld>
-</file>
-
-<file path=ppt/slides/slide7.xml><?xml version="1.0" encoding="utf-8"?>
-<p:sld xmlns:a="http://schemas.openxmlformats.org/drawingml/2006/main" xmlns:p="http://schemas.openxmlformats.org/presentationml/2006/main" xmlns:r="http://schemas.openxmlformats.org/officeDocument/2006/relationships" xmlns:p14="http://schemas.microsoft.com/office/powerpoint/2010/main" xmlns:p15="http://schemas.microsoft.com/office/powerpoint/2012/main" xmlns:mc="http://schemas.openxmlformats.org/markup-compatibility/2006">
-  <p:cSld>
-    <p:spTree>
-      <p:nvGrpSpPr>
-        <p:cNvPr id="1" name=""/>
-        <p:cNvGrpSpPr/>
-        <p:nvPr/>
-      </p:nvGrpSpPr>
-      <p:grpSpPr>
-        <a:xfrm>
-          <a:off x="0" y="0"/>
-          <a:ext cx="0" cy="0"/>
-          <a:chOff x="0" y="0"/>
-          <a:chExt cx="0" cy="0"/>
-        </a:xfrm>
-      </p:grpSpPr>
-      <p:sp>
-        <p:nvSpPr>
-          <p:cNvPr id="44" name="CustomShape 1"/>
-          <p:cNvSpPr/>
-          <p:nvPr/>
-        </p:nvSpPr>
-        <p:spPr>
-          <a:xfrm>
-            <a:off x="360000" y="432000"/>
-            <a:ext cx="9879840" cy="4603320"/>
-          </a:xfrm>
-          <a:prstGeom prst="rect">
-            <a:avLst/>
-          </a:prstGeom>
-          <a:noFill/>
-          <a:ln>
-            <a:noFill/>
-          </a:ln>
-        </p:spPr>
-        <p:style>
-          <a:lnRef idx="0"/>
-          <a:fillRef idx="0"/>
-          <a:effectRef idx="0"/>
-          <a:fontRef idx="minor"/>
-        </p:style>
-        <p:txBody>
-          <a:bodyPr lIns="90000" rIns="90000" tIns="45000" bIns="45000">
-            <a:noAutofit/>
-          </a:bodyPr>
-          <a:p>
-            <a:pPr>
-              <a:lnSpc>
-                <a:spcPct val="100000"/>
-              </a:lnSpc>
-            </a:pPr>
-            <a:r>
-              <a:rPr b="0" lang="pt-BR" sz="4400" spc="-1" strike="noStrike">
-                <a:solidFill>
-                  <a:srgbClr val="000000"/>
-                </a:solidFill>
-                <a:latin typeface="Arial"/>
-                <a:ea typeface="DejaVu Sans"/>
-              </a:rPr>
-              <a:t>Descrição do processo negócio</a:t>
-            </a:r>
-            <a:endParaRPr b="0" lang="pt-BR" sz="4400" spc="-1" strike="noStrike">
-              <a:latin typeface="Arial"/>
-            </a:endParaRPr>
-          </a:p>
-          <a:p>
-            <a:pPr>
-              <a:lnSpc>
-                <a:spcPct val="100000"/>
-              </a:lnSpc>
-            </a:pPr>
-            <a:br/>
-            <a:r>
-              <a:rPr b="1" lang="pt-BR" sz="1800" spc="-1" strike="noStrike">
-                <a:solidFill>
-                  <a:srgbClr val="000000"/>
-                </a:solidFill>
-                <a:latin typeface="Arial"/>
-                <a:ea typeface="DejaVu Sans"/>
-              </a:rPr>
-              <a:t>Devolver</a:t>
-            </a:r>
-            <a:r>
-              <a:rPr b="1" lang="pt-BR" sz="1600" spc="-1" strike="noStrike">
-                <a:solidFill>
-                  <a:srgbClr val="000000"/>
-                </a:solidFill>
-                <a:latin typeface="Arial"/>
-                <a:ea typeface="DejaVu Sans"/>
-              </a:rPr>
-              <a:t> Traje a Rigor</a:t>
-            </a:r>
-            <a:endParaRPr b="0" lang="pt-BR" sz="1600" spc="-1" strike="noStrike">
-              <a:latin typeface="Arial"/>
-            </a:endParaRPr>
-          </a:p>
-          <a:p>
-            <a:pPr>
-              <a:lnSpc>
-                <a:spcPct val="100000"/>
-              </a:lnSpc>
-            </a:pPr>
-            <a:endParaRPr b="0" lang="pt-BR" sz="1600" spc="-1" strike="noStrike">
-              <a:latin typeface="Arial"/>
-            </a:endParaRPr>
-          </a:p>
-          <a:p>
-            <a:pPr>
-              <a:lnSpc>
-                <a:spcPct val="100000"/>
-              </a:lnSpc>
-            </a:pPr>
-            <a:r>
-              <a:rPr b="1" lang="pt-BR" sz="1600" spc="-1" strike="noStrike">
-                <a:solidFill>
-                  <a:srgbClr val="000000"/>
-                </a:solidFill>
-                <a:latin typeface="Arial"/>
-                <a:ea typeface="DejaVu Sans"/>
-              </a:rPr>
-              <a:t>Evento: </a:t>
-            </a:r>
-            <a:r>
-              <a:rPr b="0" lang="pt-BR" sz="1600" spc="-1" strike="noStrike">
-                <a:solidFill>
-                  <a:srgbClr val="000000"/>
-                </a:solidFill>
-                <a:latin typeface="Arial"/>
-                <a:ea typeface="DejaVu Sans"/>
-              </a:rPr>
-              <a:t>Caixa devolve 2º via do contrato + recibo</a:t>
-            </a:r>
-            <a:r>
-              <a:rPr b="0" lang="pt-BR" sz="1600" spc="-1" strike="noStrike">
-                <a:solidFill>
-                  <a:srgbClr val="000000"/>
-                </a:solidFill>
-                <a:latin typeface="Arial"/>
-                <a:ea typeface="DejaVu Sans"/>
-              </a:rPr>
-              <a:t>.</a:t>
-            </a:r>
-            <a:endParaRPr b="0" lang="pt-BR" sz="1600" spc="-1" strike="noStrike">
-              <a:latin typeface="Arial"/>
-            </a:endParaRPr>
-          </a:p>
-          <a:p>
-            <a:pPr>
-              <a:lnSpc>
-                <a:spcPct val="100000"/>
-              </a:lnSpc>
-            </a:pPr>
-            <a:br/>
-            <a:r>
-              <a:rPr b="1" lang="pt-BR" sz="1600" spc="-1" strike="noStrike">
-                <a:solidFill>
-                  <a:srgbClr val="000000"/>
-                </a:solidFill>
-                <a:latin typeface="Arial"/>
-                <a:ea typeface="DejaVu Sans"/>
-              </a:rPr>
-              <a:t>Objetivo: </a:t>
-            </a:r>
-            <a:r>
-              <a:rPr b="0" lang="pt-BR" sz="1600" spc="-1" strike="noStrike">
-                <a:solidFill>
-                  <a:srgbClr val="000000"/>
-                </a:solidFill>
-                <a:latin typeface="Arial"/>
-                <a:ea typeface="DejaVu Sans"/>
-              </a:rPr>
-              <a:t>Recepcionar Traje a Rigor.</a:t>
-            </a:r>
-            <a:endParaRPr b="0" lang="pt-BR" sz="1600" spc="-1" strike="noStrike">
-              <a:latin typeface="Arial"/>
-            </a:endParaRPr>
-          </a:p>
-          <a:p>
-            <a:pPr>
-              <a:lnSpc>
-                <a:spcPct val="100000"/>
-              </a:lnSpc>
-            </a:pPr>
-            <a:endParaRPr b="0" lang="pt-BR" sz="1600" spc="-1" strike="noStrike">
-              <a:latin typeface="Arial"/>
-            </a:endParaRPr>
-          </a:p>
-          <a:p>
-            <a:pPr>
-              <a:lnSpc>
-                <a:spcPct val="100000"/>
-              </a:lnSpc>
-            </a:pPr>
-            <a:r>
-              <a:rPr b="1" lang="pt-BR" sz="1600" spc="-1" strike="noStrike">
-                <a:solidFill>
-                  <a:srgbClr val="000000"/>
-                </a:solidFill>
-                <a:latin typeface="Arial"/>
-                <a:ea typeface="DejaVu Sans"/>
-              </a:rPr>
-              <a:t>Trabalhadores Envolvidos: Caixa</a:t>
-            </a:r>
-            <a:br/>
-            <a:endParaRPr b="0" lang="pt-BR" sz="1600" spc="-1" strike="noStrike">
-              <a:latin typeface="Arial"/>
-            </a:endParaRPr>
-          </a:p>
-          <a:p>
-            <a:pPr>
-              <a:lnSpc>
-                <a:spcPct val="100000"/>
-              </a:lnSpc>
-            </a:pPr>
-            <a:r>
-              <a:rPr b="0" lang="pt-BR" sz="1600" spc="-1" strike="noStrike">
-                <a:solidFill>
-                  <a:srgbClr val="000000"/>
-                </a:solidFill>
-                <a:latin typeface="Calibri"/>
-                <a:ea typeface="DejaVu Sans"/>
-              </a:rPr>
-              <a:t>- Caixa entrega 2º via do contrato + recibo para cliente.</a:t>
+              <a:t>- Caixa entrega 2º via do contrato + recibo para cliente</a:t>
             </a:r>
             <a:endParaRPr b="0" lang="pt-BR" sz="1600" spc="-1" strike="noStrike">
               <a:latin typeface="Arial"/>

--- a/18 - Descrição dos Processo de Negocio.pptx
+++ b/18 - Descrição dos Processo de Negocio.pptx
@@ -10,6 +10,9 @@
     <p:sldId id="258" r:id="rId5"/>
     <p:sldId id="259" r:id="rId6"/>
     <p:sldId id="260" r:id="rId7"/>
+    <p:sldId id="261" r:id="rId8"/>
+    <p:sldId id="262" r:id="rId9"/>
+    <p:sldId id="263" r:id="rId10"/>
   </p:sldIdLst>
   <p:sldSz cx="10080625" cy="5670550"/>
   <p:notesSz cx="7559675" cy="10691812"/>
@@ -1658,7 +1661,7 @@
         <p:spPr>
           <a:xfrm>
             <a:off x="360000" y="527760"/>
-            <a:ext cx="9879120" cy="4655880"/>
+            <a:ext cx="9876960" cy="4653720"/>
           </a:xfrm>
           <a:prstGeom prst="rect">
             <a:avLst/>
@@ -1793,7 +1796,7 @@
                 <a:latin typeface="Arial"/>
                 <a:ea typeface="DejaVu Sans"/>
               </a:rPr>
-              <a:t>Solicitar os pedidos realizados pelo cliente.</a:t>
+              <a:t>Recepcionar os pedidos realizados pelo cliente.</a:t>
             </a:r>
             <a:endParaRPr b="0" lang="pt-BR" sz="1600" spc="-1" strike="noStrike">
               <a:latin typeface="Arial"/>
@@ -1853,7 +1856,7 @@
                 <a:latin typeface="Calibri"/>
                 <a:ea typeface="DejaVu Sans"/>
               </a:rPr>
-              <a:t>- Se não houver nenhum traje a rigor com as condições, informar ao cliente que a loja não possui o traje a rigor (condições invalidas) e finalizar.</a:t>
+              <a:t>- Se não houver nenhum traje a rigor com as condições, informar ao cliente que a loja não possui o traje a rigor (recusa) e finalizar.</a:t>
             </a:r>
             <a:endParaRPr b="0" lang="pt-BR" sz="1600" spc="-1" strike="noStrike">
               <a:latin typeface="Arial"/>
@@ -1883,7 +1886,37 @@
                 <a:latin typeface="Calibri"/>
                 <a:ea typeface="DejaVu Sans"/>
               </a:rPr>
-              <a:t>- Caso necessário, atendente tira as medidas do cliente e preenche a ficha de medidas.</a:t>
+              <a:t>- Reserva os trajes locados pelo cliente.</a:t>
+            </a:r>
+            <a:endParaRPr b="0" lang="pt-BR" sz="1600" spc="-1" strike="noStrike">
+              <a:latin typeface="Arial"/>
+            </a:endParaRPr>
+          </a:p>
+          <a:p>
+            <a:pPr>
+              <a:lnSpc>
+                <a:spcPct val="100000"/>
+              </a:lnSpc>
+            </a:pPr>
+            <a:endParaRPr b="0" lang="pt-BR" sz="1600" spc="-1" strike="noStrike">
+              <a:latin typeface="Arial"/>
+            </a:endParaRPr>
+          </a:p>
+          <a:p>
+            <a:pPr>
+              <a:lnSpc>
+                <a:spcPct val="100000"/>
+              </a:lnSpc>
+            </a:pPr>
+            <a:r>
+              <a:rPr b="0" lang="pt-BR" sz="1600" spc="-1" strike="noStrike">
+                <a:solidFill>
+                  <a:srgbClr val="000000"/>
+                </a:solidFill>
+                <a:latin typeface="Calibri"/>
+                <a:ea typeface="DejaVu Sans"/>
+              </a:rPr>
+              <a:t>- Caso necessário, tira as medidas do cliente e preenche a ficha de medidas.</a:t>
             </a:r>
             <a:br/>
             <a:br/>
@@ -1895,7 +1928,7 @@
                 <a:latin typeface="Calibri"/>
                 <a:ea typeface="DejaVu Sans"/>
               </a:rPr>
-              <a:t>- É emitido o contrato de locação, valor, data de retirada e data de devolução.</a:t>
+              <a:t>- Emite o contrato de locação com valor, data de retirada e data de devolução e entrega para o cliente.</a:t>
             </a:r>
             <a:endParaRPr b="0" lang="pt-BR" sz="1600" spc="-1" strike="noStrike">
               <a:latin typeface="Arial"/>
@@ -1961,8 +1994,8 @@
         </p:nvSpPr>
         <p:spPr>
           <a:xfrm>
-            <a:off x="343800" y="432000"/>
-            <a:ext cx="9879120" cy="4372920"/>
+            <a:off x="333000" y="420840"/>
+            <a:ext cx="9876960" cy="4370760"/>
           </a:xfrm>
           <a:prstGeom prst="rect">
             <a:avLst/>
@@ -2178,7 +2211,7 @@
                 <a:latin typeface="Calibri"/>
                 <a:ea typeface="DejaVu Sans"/>
               </a:rPr>
-              <a:t>- Entrega recibo + (troco) + via do contrato assinado.</a:t>
+              <a:t>- Entrega recibo + (troco) + via do contrato assinado para o cliente.</a:t>
             </a:r>
             <a:endParaRPr b="0" lang="pt-BR" sz="1600" spc="-1" strike="noStrike">
               <a:latin typeface="Arial"/>
@@ -2225,7 +2258,7 @@
         <p:spPr>
           <a:xfrm>
             <a:off x="360000" y="432000"/>
-            <a:ext cx="9879120" cy="4602600"/>
+            <a:ext cx="9876960" cy="4600440"/>
           </a:xfrm>
           <a:prstGeom prst="rect">
             <a:avLst/>
@@ -2421,37 +2454,7 @@
                 <a:latin typeface="Calibri"/>
                 <a:ea typeface="DejaVu Sans"/>
               </a:rPr>
-              <a:t>- É verificada a Ficha de Medidas.</a:t>
-            </a:r>
-            <a:endParaRPr b="0" lang="pt-BR" sz="1600" spc="-1" strike="noStrike">
-              <a:latin typeface="Arial"/>
-            </a:endParaRPr>
-          </a:p>
-          <a:p>
-            <a:pPr>
-              <a:lnSpc>
-                <a:spcPct val="100000"/>
-              </a:lnSpc>
-            </a:pPr>
-            <a:endParaRPr b="0" lang="pt-BR" sz="1600" spc="-1" strike="noStrike">
-              <a:latin typeface="Arial"/>
-            </a:endParaRPr>
-          </a:p>
-          <a:p>
-            <a:pPr>
-              <a:lnSpc>
-                <a:spcPct val="100000"/>
-              </a:lnSpc>
-            </a:pPr>
-            <a:r>
-              <a:rPr b="0" lang="pt-BR" sz="1600" spc="-1" strike="noStrike">
-                <a:solidFill>
-                  <a:srgbClr val="000000"/>
-                </a:solidFill>
-                <a:latin typeface="Calibri"/>
-                <a:ea typeface="DejaVu Sans"/>
-              </a:rPr>
-              <a:t>- É verificado o Traje a Rigor.</a:t>
+              <a:t>- Traje a Rigor e ficha de medidas são verificadas.</a:t>
             </a:r>
             <a:endParaRPr b="0" lang="pt-BR" sz="1600" spc="-1" strike="noStrike">
               <a:latin typeface="Arial"/>
@@ -2558,7 +2561,7 @@
         <p:spPr>
           <a:xfrm>
             <a:off x="360000" y="432000"/>
-            <a:ext cx="9879120" cy="4602600"/>
+            <a:ext cx="9876960" cy="4600440"/>
           </a:xfrm>
           <a:prstGeom prst="rect">
             <a:avLst/>
@@ -2606,16 +2609,6 @@
             </a:pPr>
             <a:br/>
             <a:r>
-              <a:rPr b="1" lang="pt-BR" sz="1800" spc="-1" strike="noStrike">
-                <a:solidFill>
-                  <a:srgbClr val="000000"/>
-                </a:solidFill>
-                <a:latin typeface="Arial"/>
-                <a:ea typeface="DejaVu Sans"/>
-              </a:rPr>
-              <a:t>Retirar</a:t>
-            </a:r>
-            <a:r>
               <a:rPr b="1" lang="pt-BR" sz="1600" spc="-1" strike="noStrike">
                 <a:solidFill>
                   <a:srgbClr val="000000"/>
@@ -2623,7 +2616,7 @@
                 <a:latin typeface="Arial"/>
                 <a:ea typeface="DejaVu Sans"/>
               </a:rPr>
-              <a:t> Traje a Rigor</a:t>
+              <a:t>Retirar Traje a Rigor</a:t>
             </a:r>
             <a:endParaRPr b="0" lang="pt-BR" sz="1600" spc="-1" strike="noStrike">
               <a:latin typeface="Arial"/>
@@ -2663,7 +2656,7 @@
                 <a:latin typeface="Arial"/>
                 <a:ea typeface="DejaVu Sans"/>
               </a:rPr>
-              <a:t>Cliente entrega contrato assinado + recibo.</a:t>
+              <a:t>Cliente solicita retirada do traje a rigor.</a:t>
             </a:r>
             <a:endParaRPr b="0" lang="pt-BR" sz="1600" spc="-1" strike="noStrike">
               <a:latin typeface="Arial"/>
@@ -2703,17 +2696,7 @@
                 <a:latin typeface="Arial"/>
                 <a:ea typeface="DejaVu Sans"/>
               </a:rPr>
-              <a:t> Verificação e entrega de pedido para o cliente</a:t>
-            </a:r>
-            <a:r>
-              <a:rPr b="0" lang="pt-BR" sz="1600" spc="-1" strike="noStrike">
-                <a:solidFill>
-                  <a:srgbClr val="000000"/>
-                </a:solidFill>
-                <a:latin typeface="Arial"/>
-                <a:ea typeface="DejaVu Sans"/>
-              </a:rPr>
-              <a:t>.</a:t>
+              <a:t> Entregar pedido para o cliente.</a:t>
             </a:r>
             <a:endParaRPr b="0" lang="pt-BR" sz="1600" spc="-1" strike="noStrike">
               <a:latin typeface="Arial"/>
@@ -2743,7 +2726,7 @@
                 <a:latin typeface="Arial"/>
                 <a:ea typeface="DejaVu Sans"/>
               </a:rPr>
-              <a:t>Trabalhadores Envolvidos: Caixa</a:t>
+              <a:t>Trabalhadores Envolvidos: Atendente</a:t>
             </a:r>
             <a:endParaRPr b="0" lang="pt-BR" sz="1600" spc="-1" strike="noStrike">
               <a:latin typeface="Arial"/>
@@ -2773,10 +2756,9 @@
                 <a:latin typeface="Calibri"/>
                 <a:ea typeface="DejaVu Sans"/>
               </a:rPr>
-              <a:t>- É verificado o contrato de locação + recibo de pagamento</a:t>
+              <a:t>- É verificado o contrato assinado</a:t>
             </a:r>
             <a:br/>
-            <a:br/>
             <a:r>
               <a:rPr b="0" lang="pt-BR" sz="1600" spc="-1" strike="noStrike">
                 <a:solidFill>
@@ -2785,28 +2767,8 @@
                 <a:latin typeface="Calibri"/>
                 <a:ea typeface="DejaVu Sans"/>
               </a:rPr>
-              <a:t>- É entregue o Traje a Rigor para cliente.</a:t>
-            </a:r>
-            <a:endParaRPr b="0" lang="pt-BR" sz="1600" spc="-1" strike="noStrike">
-              <a:latin typeface="Arial"/>
-            </a:endParaRPr>
-          </a:p>
-          <a:p>
-            <a:pPr>
-              <a:lnSpc>
-                <a:spcPct val="100000"/>
-              </a:lnSpc>
-            </a:pPr>
-            <a:endParaRPr b="0" lang="pt-BR" sz="1600" spc="-1" strike="noStrike">
-              <a:latin typeface="Arial"/>
-            </a:endParaRPr>
-          </a:p>
-          <a:p>
-            <a:pPr>
-              <a:lnSpc>
-                <a:spcPct val="100000"/>
-              </a:lnSpc>
-            </a:pPr>
+              <a:t>	</a:t>
+            </a:r>
             <a:r>
               <a:rPr b="0" lang="pt-BR" sz="1600" spc="-1" strike="noStrike">
                 <a:solidFill>
@@ -2815,7 +2777,7 @@
                 <a:latin typeface="Calibri"/>
                 <a:ea typeface="DejaVu Sans"/>
               </a:rPr>
-              <a:t>- É entregue a 2º via do contrato assinado.</a:t>
+              <a:t>- Se a data de retirada não seja a data constante no contrato (recusa).</a:t>
             </a:r>
             <a:endParaRPr b="0" lang="pt-BR" sz="1600" spc="-1" strike="noStrike">
               <a:latin typeface="Arial"/>
@@ -2845,7 +2807,57 @@
                 <a:latin typeface="Calibri"/>
                 <a:ea typeface="DejaVu Sans"/>
               </a:rPr>
-              <a:t>- É entregue o recibo de pagamento.</a:t>
+              <a:t>- Traje a rigor é entregue para prova.</a:t>
+            </a:r>
+            <a:endParaRPr b="0" lang="pt-BR" sz="1600" spc="-1" strike="noStrike">
+              <a:latin typeface="Arial"/>
+            </a:endParaRPr>
+          </a:p>
+          <a:p>
+            <a:pPr>
+              <a:lnSpc>
+                <a:spcPct val="100000"/>
+              </a:lnSpc>
+            </a:pPr>
+            <a:endParaRPr b="0" lang="pt-BR" sz="1600" spc="-1" strike="noStrike">
+              <a:latin typeface="Arial"/>
+            </a:endParaRPr>
+          </a:p>
+          <a:p>
+            <a:pPr>
+              <a:lnSpc>
+                <a:spcPct val="100000"/>
+              </a:lnSpc>
+            </a:pPr>
+            <a:r>
+              <a:rPr b="0" lang="pt-BR" sz="1600" spc="-1" strike="noStrike">
+                <a:solidFill>
+                  <a:srgbClr val="000000"/>
+                </a:solidFill>
+                <a:latin typeface="Calibri"/>
+                <a:ea typeface="DejaVu Sans"/>
+              </a:rPr>
+              <a:t>- É recebido o feedback sobre o ajuste do traje a rigor + traje a rigor</a:t>
+            </a:r>
+            <a:endParaRPr b="0" lang="pt-BR" sz="1600" spc="-1" strike="noStrike">
+              <a:latin typeface="Arial"/>
+            </a:endParaRPr>
+          </a:p>
+          <a:p>
+            <a:pPr>
+              <a:lnSpc>
+                <a:spcPct val="100000"/>
+              </a:lnSpc>
+            </a:pPr>
+            <a:r>
+              <a:rPr b="0" lang="pt-BR" sz="1600" spc="-1" strike="noStrike">
+                <a:solidFill>
+                  <a:srgbClr val="000000"/>
+                </a:solidFill>
+                <a:latin typeface="Calibri"/>
+                <a:ea typeface="DejaVu Sans"/>
+              </a:rPr>
+              <a:t>	</a:t>
             </a:r>
             <a:endParaRPr b="0" lang="pt-BR" sz="1600" spc="-1" strike="noStrike">
               <a:latin typeface="Arial"/>
@@ -2902,7 +2914,7 @@
         <p:spPr>
           <a:xfrm>
             <a:off x="360000" y="432000"/>
-            <a:ext cx="9879120" cy="4602600"/>
+            <a:ext cx="9876960" cy="4600440"/>
           </a:xfrm>
           <a:prstGeom prst="rect">
             <a:avLst/>
@@ -2937,6 +2949,855 @@
                 <a:ea typeface="DejaVu Sans"/>
               </a:rPr>
               <a:t>Descrição do processo negócio</a:t>
+            </a:r>
+            <a:endParaRPr b="0" lang="pt-BR" sz="4400" spc="-1" strike="noStrike">
+              <a:latin typeface="Arial"/>
+            </a:endParaRPr>
+          </a:p>
+          <a:p>
+            <a:pPr>
+              <a:lnSpc>
+                <a:spcPct val="100000"/>
+              </a:lnSpc>
+            </a:pPr>
+            <a:br/>
+            <a:r>
+              <a:rPr b="1" lang="pt-BR" sz="1600" spc="-1" strike="noStrike">
+                <a:solidFill>
+                  <a:srgbClr val="000000"/>
+                </a:solidFill>
+                <a:latin typeface="Arial"/>
+                <a:ea typeface="DejaVu Sans"/>
+              </a:rPr>
+              <a:t>Tratar feedback do traje a rigor</a:t>
+            </a:r>
+            <a:endParaRPr b="0" lang="pt-BR" sz="1600" spc="-1" strike="noStrike">
+              <a:latin typeface="Arial"/>
+            </a:endParaRPr>
+          </a:p>
+          <a:p>
+            <a:pPr>
+              <a:lnSpc>
+                <a:spcPct val="100000"/>
+              </a:lnSpc>
+            </a:pPr>
+            <a:endParaRPr b="0" lang="pt-BR" sz="1600" spc="-1" strike="noStrike">
+              <a:latin typeface="Arial"/>
+            </a:endParaRPr>
+          </a:p>
+          <a:p>
+            <a:pPr>
+              <a:lnSpc>
+                <a:spcPct val="100000"/>
+              </a:lnSpc>
+            </a:pPr>
+            <a:r>
+              <a:rPr b="1" lang="pt-BR" sz="1600" spc="-1" strike="noStrike">
+                <a:solidFill>
+                  <a:srgbClr val="000000"/>
+                </a:solidFill>
+                <a:latin typeface="Arial"/>
+                <a:ea typeface="DejaVu Sans"/>
+              </a:rPr>
+              <a:t>Evento: </a:t>
+            </a:r>
+            <a:r>
+              <a:rPr b="0" lang="pt-BR" sz="1600" spc="-1" strike="noStrike">
+                <a:solidFill>
+                  <a:srgbClr val="000000"/>
+                </a:solidFill>
+                <a:latin typeface="Arial"/>
+                <a:ea typeface="DejaVu Sans"/>
+              </a:rPr>
+              <a:t>Cliente da feedback sobre o ajuste do traje a rigor + traje a rigor.</a:t>
+            </a:r>
+            <a:endParaRPr b="0" lang="pt-BR" sz="1600" spc="-1" strike="noStrike">
+              <a:latin typeface="Arial"/>
+            </a:endParaRPr>
+          </a:p>
+          <a:p>
+            <a:pPr>
+              <a:lnSpc>
+                <a:spcPct val="100000"/>
+              </a:lnSpc>
+            </a:pPr>
+            <a:endParaRPr b="0" lang="pt-BR" sz="1600" spc="-1" strike="noStrike">
+              <a:latin typeface="Arial"/>
+            </a:endParaRPr>
+          </a:p>
+          <a:p>
+            <a:pPr>
+              <a:lnSpc>
+                <a:spcPct val="100000"/>
+              </a:lnSpc>
+            </a:pPr>
+            <a:r>
+              <a:rPr b="1" lang="pt-BR" sz="1600" spc="-1" strike="noStrike">
+                <a:solidFill>
+                  <a:srgbClr val="000000"/>
+                </a:solidFill>
+                <a:latin typeface="Arial"/>
+                <a:ea typeface="DejaVu Sans"/>
+              </a:rPr>
+              <a:t>Objetivo:</a:t>
+            </a:r>
+            <a:r>
+              <a:rPr b="0" lang="pt-BR" sz="1600" spc="-1" strike="noStrike">
+                <a:solidFill>
+                  <a:srgbClr val="000000"/>
+                </a:solidFill>
+                <a:latin typeface="Arial"/>
+                <a:ea typeface="DejaVu Sans"/>
+              </a:rPr>
+              <a:t> Entregar traje a rigor ajustado e embalado para cliente.</a:t>
+            </a:r>
+            <a:endParaRPr b="0" lang="pt-BR" sz="1600" spc="-1" strike="noStrike">
+              <a:latin typeface="Arial"/>
+            </a:endParaRPr>
+          </a:p>
+          <a:p>
+            <a:pPr>
+              <a:lnSpc>
+                <a:spcPct val="100000"/>
+              </a:lnSpc>
+            </a:pPr>
+            <a:endParaRPr b="0" lang="pt-BR" sz="1600" spc="-1" strike="noStrike">
+              <a:latin typeface="Arial"/>
+            </a:endParaRPr>
+          </a:p>
+          <a:p>
+            <a:pPr>
+              <a:lnSpc>
+                <a:spcPct val="100000"/>
+              </a:lnSpc>
+            </a:pPr>
+            <a:r>
+              <a:rPr b="1" lang="pt-BR" sz="1600" spc="-1" strike="noStrike">
+                <a:solidFill>
+                  <a:srgbClr val="000000"/>
+                </a:solidFill>
+                <a:latin typeface="Arial"/>
+                <a:ea typeface="DejaVu Sans"/>
+              </a:rPr>
+              <a:t>Trabalhadores Envolvidos: Atendente | Costura</a:t>
+            </a:r>
+            <a:endParaRPr b="0" lang="pt-BR" sz="1600" spc="-1" strike="noStrike">
+              <a:latin typeface="Arial"/>
+            </a:endParaRPr>
+          </a:p>
+          <a:p>
+            <a:pPr>
+              <a:lnSpc>
+                <a:spcPct val="100000"/>
+              </a:lnSpc>
+            </a:pPr>
+            <a:br/>
+            <a:r>
+              <a:rPr b="0" lang="pt-BR" sz="1600" spc="-1" strike="noStrike">
+                <a:solidFill>
+                  <a:srgbClr val="000000"/>
+                </a:solidFill>
+                <a:latin typeface="Arial"/>
+                <a:ea typeface="DejaVu Sans"/>
+              </a:rPr>
+              <a:t>- </a:t>
+            </a:r>
+            <a:r>
+              <a:rPr b="0" lang="pt-BR" sz="1600" spc="-1" strike="noStrike">
+                <a:solidFill>
+                  <a:srgbClr val="000000"/>
+                </a:solidFill>
+                <a:latin typeface="Calibri"/>
+                <a:ea typeface="DejaVu Sans"/>
+              </a:rPr>
+              <a:t>Caso o feedback seja positivo o Traje a Rigor é embalado e entregue para cliente.</a:t>
+            </a:r>
+            <a:endParaRPr b="0" lang="pt-BR" sz="1600" spc="-1" strike="noStrike">
+              <a:latin typeface="Arial"/>
+            </a:endParaRPr>
+          </a:p>
+          <a:p>
+            <a:pPr>
+              <a:lnSpc>
+                <a:spcPct val="100000"/>
+              </a:lnSpc>
+            </a:pPr>
+            <a:r>
+              <a:rPr b="0" lang="pt-BR" sz="1600" spc="-1" strike="noStrike">
+                <a:solidFill>
+                  <a:srgbClr val="000000"/>
+                </a:solidFill>
+                <a:latin typeface="Calibri"/>
+                <a:ea typeface="DejaVu Sans"/>
+              </a:rPr>
+              <a:t>	</a:t>
+            </a:r>
+            <a:r>
+              <a:rPr b="0" lang="pt-BR" sz="1600" spc="-1" strike="noStrike">
+                <a:solidFill>
+                  <a:srgbClr val="000000"/>
+                </a:solidFill>
+                <a:latin typeface="Calibri"/>
+                <a:ea typeface="DejaVu Sans"/>
+              </a:rPr>
+              <a:t>- Se os ajustes não estiverem de acordo, é solicitado um novo ajuste emergencial, enviado o traje a rigor + </a:t>
+            </a:r>
+            <a:r>
+              <a:rPr b="0" lang="pt-BR" sz="1600" spc="-1" strike="noStrike">
+                <a:solidFill>
+                  <a:srgbClr val="000000"/>
+                </a:solidFill>
+                <a:latin typeface="Calibri"/>
+                <a:ea typeface="DejaVu Sans"/>
+              </a:rPr>
+              <a:t>	</a:t>
+            </a:r>
+            <a:r>
+              <a:rPr b="0" lang="pt-BR" sz="1600" spc="-1" strike="noStrike">
+                <a:solidFill>
+                  <a:srgbClr val="000000"/>
+                </a:solidFill>
+                <a:latin typeface="Calibri"/>
+                <a:ea typeface="DejaVu Sans"/>
+              </a:rPr>
+              <a:t>	</a:t>
+            </a:r>
+            <a:r>
+              <a:rPr b="0" lang="pt-BR" sz="1600" spc="-1" strike="noStrike">
+                <a:solidFill>
+                  <a:srgbClr val="000000"/>
+                </a:solidFill>
+                <a:latin typeface="Calibri"/>
+                <a:ea typeface="DejaVu Sans"/>
+              </a:rPr>
+              <a:t>  fichas de medidas para costura.</a:t>
+            </a:r>
+            <a:endParaRPr b="0" lang="pt-BR" sz="1600" spc="-1" strike="noStrike">
+              <a:latin typeface="Arial"/>
+            </a:endParaRPr>
+          </a:p>
+          <a:p>
+            <a:pPr>
+              <a:lnSpc>
+                <a:spcPct val="100000"/>
+              </a:lnSpc>
+            </a:pPr>
+            <a:endParaRPr b="0" lang="pt-BR" sz="1600" spc="-1" strike="noStrike">
+              <a:latin typeface="Arial"/>
+            </a:endParaRPr>
+          </a:p>
+          <a:p>
+            <a:pPr>
+              <a:lnSpc>
+                <a:spcPct val="100000"/>
+              </a:lnSpc>
+            </a:pPr>
+            <a:r>
+              <a:rPr b="0" lang="pt-BR" sz="1600" spc="-1" strike="noStrike">
+                <a:solidFill>
+                  <a:srgbClr val="000000"/>
+                </a:solidFill>
+                <a:latin typeface="Calibri"/>
+                <a:ea typeface="DejaVu Sans"/>
+              </a:rPr>
+              <a:t>- Costura faz novos ajustes emergenciais no traje a rigor e devolve para atendente junto com a ficha de medidas.</a:t>
+            </a:r>
+            <a:endParaRPr b="0" lang="pt-BR" sz="1600" spc="-1" strike="noStrike">
+              <a:latin typeface="Arial"/>
+            </a:endParaRPr>
+          </a:p>
+          <a:p>
+            <a:pPr>
+              <a:lnSpc>
+                <a:spcPct val="100000"/>
+              </a:lnSpc>
+            </a:pPr>
+            <a:endParaRPr b="0" lang="pt-BR" sz="1600" spc="-1" strike="noStrike">
+              <a:latin typeface="Arial"/>
+            </a:endParaRPr>
+          </a:p>
+        </p:txBody>
+      </p:sp>
+    </p:spTree>
+  </p:cSld>
+  <mc:AlternateContent>
+    <mc:Choice Requires="p14">
+      <p:transition spd="slow" p14:dur="2000"/>
+    </mc:Choice>
+    <mc:Fallback>
+      <p:transition spd="slow"/>
+    </mc:Fallback>
+  </mc:AlternateContent>
+</p:sld>
+</file>
+
+<file path=ppt/slides/slide6.xml><?xml version="1.0" encoding="utf-8"?>
+<p:sld xmlns:a="http://schemas.openxmlformats.org/drawingml/2006/main" xmlns:p="http://schemas.openxmlformats.org/presentationml/2006/main" xmlns:r="http://schemas.openxmlformats.org/officeDocument/2006/relationships" xmlns:p14="http://schemas.microsoft.com/office/powerpoint/2010/main" xmlns:p15="http://schemas.microsoft.com/office/powerpoint/2012/main" xmlns:mc="http://schemas.openxmlformats.org/markup-compatibility/2006">
+  <p:cSld>
+    <p:spTree>
+      <p:nvGrpSpPr>
+        <p:cNvPr id="1" name=""/>
+        <p:cNvGrpSpPr/>
+        <p:nvPr/>
+      </p:nvGrpSpPr>
+      <p:grpSpPr>
+        <a:xfrm>
+          <a:off x="0" y="0"/>
+          <a:ext cx="0" cy="0"/>
+          <a:chOff x="0" y="0"/>
+          <a:chExt cx="0" cy="0"/>
+        </a:xfrm>
+      </p:grpSpPr>
+      <p:sp>
+        <p:nvSpPr>
+          <p:cNvPr id="43" name="CustomShape 1"/>
+          <p:cNvSpPr/>
+          <p:nvPr/>
+        </p:nvSpPr>
+        <p:spPr>
+          <a:xfrm>
+            <a:off x="360000" y="432000"/>
+            <a:ext cx="9876960" cy="4600440"/>
+          </a:xfrm>
+          <a:prstGeom prst="rect">
+            <a:avLst/>
+          </a:prstGeom>
+          <a:noFill/>
+          <a:ln>
+            <a:noFill/>
+          </a:ln>
+        </p:spPr>
+        <p:style>
+          <a:lnRef idx="0"/>
+          <a:fillRef idx="0"/>
+          <a:effectRef idx="0"/>
+          <a:fontRef idx="minor"/>
+        </p:style>
+        <p:txBody>
+          <a:bodyPr lIns="90000" rIns="90000" tIns="45000" bIns="45000">
+            <a:noAutofit/>
+          </a:bodyPr>
+          <a:p>
+            <a:pPr>
+              <a:lnSpc>
+                <a:spcPct val="100000"/>
+              </a:lnSpc>
+            </a:pPr>
+            <a:r>
+              <a:rPr b="0" lang="pt-BR" sz="4400" spc="-1" strike="noStrike">
+                <a:solidFill>
+                  <a:srgbClr val="000000"/>
+                </a:solidFill>
+                <a:latin typeface="Arial"/>
+                <a:ea typeface="DejaVu Sans"/>
+              </a:rPr>
+              <a:t>Descrição do processo negócio</a:t>
+            </a:r>
+            <a:endParaRPr b="0" lang="pt-BR" sz="4400" spc="-1" strike="noStrike">
+              <a:latin typeface="Arial"/>
+            </a:endParaRPr>
+          </a:p>
+          <a:p>
+            <a:pPr>
+              <a:lnSpc>
+                <a:spcPct val="100000"/>
+              </a:lnSpc>
+            </a:pPr>
+            <a:br/>
+            <a:r>
+              <a:rPr b="1" lang="pt-BR" sz="1600" spc="-1" strike="noStrike">
+                <a:solidFill>
+                  <a:srgbClr val="000000"/>
+                </a:solidFill>
+                <a:latin typeface="Arial"/>
+                <a:ea typeface="DejaVu Sans"/>
+              </a:rPr>
+              <a:t>Receber Traje a rigor ajustado Emergencialmente.</a:t>
+            </a:r>
+            <a:endParaRPr b="0" lang="pt-BR" sz="1600" spc="-1" strike="noStrike">
+              <a:latin typeface="Arial"/>
+            </a:endParaRPr>
+          </a:p>
+          <a:p>
+            <a:pPr>
+              <a:lnSpc>
+                <a:spcPct val="100000"/>
+              </a:lnSpc>
+            </a:pPr>
+            <a:endParaRPr b="0" lang="pt-BR" sz="1600" spc="-1" strike="noStrike">
+              <a:latin typeface="Arial"/>
+            </a:endParaRPr>
+          </a:p>
+          <a:p>
+            <a:pPr>
+              <a:lnSpc>
+                <a:spcPct val="100000"/>
+              </a:lnSpc>
+            </a:pPr>
+            <a:r>
+              <a:rPr b="1" lang="pt-BR" sz="1600" spc="-1" strike="noStrike">
+                <a:solidFill>
+                  <a:srgbClr val="000000"/>
+                </a:solidFill>
+                <a:latin typeface="Arial"/>
+                <a:ea typeface="DejaVu Sans"/>
+              </a:rPr>
+              <a:t>Evento: </a:t>
+            </a:r>
+            <a:r>
+              <a:rPr b="0" lang="pt-BR" sz="1600" spc="-1" strike="noStrike">
+                <a:solidFill>
+                  <a:srgbClr val="000000"/>
+                </a:solidFill>
+                <a:latin typeface="Arial"/>
+                <a:ea typeface="DejaVu Sans"/>
+              </a:rPr>
+              <a:t>Costura envia traje a rigor + ficha de medidas.</a:t>
+            </a:r>
+            <a:endParaRPr b="0" lang="pt-BR" sz="1600" spc="-1" strike="noStrike">
+              <a:latin typeface="Arial"/>
+            </a:endParaRPr>
+          </a:p>
+          <a:p>
+            <a:pPr>
+              <a:lnSpc>
+                <a:spcPct val="100000"/>
+              </a:lnSpc>
+            </a:pPr>
+            <a:endParaRPr b="0" lang="pt-BR" sz="1600" spc="-1" strike="noStrike">
+              <a:latin typeface="Arial"/>
+            </a:endParaRPr>
+          </a:p>
+          <a:p>
+            <a:pPr>
+              <a:lnSpc>
+                <a:spcPct val="100000"/>
+              </a:lnSpc>
+            </a:pPr>
+            <a:r>
+              <a:rPr b="1" lang="pt-BR" sz="1600" spc="-1" strike="noStrike">
+                <a:solidFill>
+                  <a:srgbClr val="000000"/>
+                </a:solidFill>
+                <a:latin typeface="Arial"/>
+                <a:ea typeface="DejaVu Sans"/>
+              </a:rPr>
+              <a:t>Objetivo:</a:t>
+            </a:r>
+            <a:r>
+              <a:rPr b="0" lang="pt-BR" sz="1600" spc="-1" strike="noStrike">
+                <a:solidFill>
+                  <a:srgbClr val="000000"/>
+                </a:solidFill>
+                <a:latin typeface="Arial"/>
+                <a:ea typeface="DejaVu Sans"/>
+              </a:rPr>
+              <a:t> Entregar traje a rigor ajustado para o cliente.</a:t>
+            </a:r>
+            <a:endParaRPr b="0" lang="pt-BR" sz="1600" spc="-1" strike="noStrike">
+              <a:latin typeface="Arial"/>
+            </a:endParaRPr>
+          </a:p>
+          <a:p>
+            <a:pPr>
+              <a:lnSpc>
+                <a:spcPct val="100000"/>
+              </a:lnSpc>
+            </a:pPr>
+            <a:endParaRPr b="0" lang="pt-BR" sz="1600" spc="-1" strike="noStrike">
+              <a:latin typeface="Arial"/>
+            </a:endParaRPr>
+          </a:p>
+          <a:p>
+            <a:pPr>
+              <a:lnSpc>
+                <a:spcPct val="100000"/>
+              </a:lnSpc>
+            </a:pPr>
+            <a:r>
+              <a:rPr b="1" lang="pt-BR" sz="1600" spc="-1" strike="noStrike">
+                <a:solidFill>
+                  <a:srgbClr val="000000"/>
+                </a:solidFill>
+                <a:latin typeface="Arial"/>
+                <a:ea typeface="DejaVu Sans"/>
+              </a:rPr>
+              <a:t>Trabalhadores Envolvidos: Atendente</a:t>
+            </a:r>
+            <a:endParaRPr b="0" lang="pt-BR" sz="1600" spc="-1" strike="noStrike">
+              <a:latin typeface="Arial"/>
+            </a:endParaRPr>
+          </a:p>
+          <a:p>
+            <a:pPr>
+              <a:lnSpc>
+                <a:spcPct val="100000"/>
+              </a:lnSpc>
+            </a:pPr>
+            <a:br/>
+            <a:r>
+              <a:rPr b="0" lang="pt-BR" sz="1600" spc="-1" strike="noStrike">
+                <a:solidFill>
+                  <a:srgbClr val="000000"/>
+                </a:solidFill>
+                <a:latin typeface="Calibri"/>
+                <a:ea typeface="DejaVu Sans"/>
+              </a:rPr>
+              <a:t>- Traje a rigor é entregue para para cliente.</a:t>
+            </a:r>
+            <a:endParaRPr b="0" lang="pt-BR" sz="1600" spc="-1" strike="noStrike">
+              <a:latin typeface="Arial"/>
+            </a:endParaRPr>
+          </a:p>
+        </p:txBody>
+      </p:sp>
+    </p:spTree>
+  </p:cSld>
+  <mc:AlternateContent>
+    <mc:Choice Requires="p14">
+      <p:transition spd="slow" p14:dur="2000"/>
+    </mc:Choice>
+    <mc:Fallback>
+      <p:transition spd="slow"/>
+    </mc:Fallback>
+  </mc:AlternateContent>
+</p:sld>
+</file>
+
+<file path=ppt/slides/slide7.xml><?xml version="1.0" encoding="utf-8"?>
+<p:sld xmlns:a="http://schemas.openxmlformats.org/drawingml/2006/main" xmlns:p="http://schemas.openxmlformats.org/presentationml/2006/main" xmlns:r="http://schemas.openxmlformats.org/officeDocument/2006/relationships" xmlns:p14="http://schemas.microsoft.com/office/powerpoint/2010/main" xmlns:p15="http://schemas.microsoft.com/office/powerpoint/2012/main" xmlns:mc="http://schemas.openxmlformats.org/markup-compatibility/2006">
+  <p:cSld>
+    <p:spTree>
+      <p:nvGrpSpPr>
+        <p:cNvPr id="1" name=""/>
+        <p:cNvGrpSpPr/>
+        <p:nvPr/>
+      </p:nvGrpSpPr>
+      <p:grpSpPr>
+        <a:xfrm>
+          <a:off x="0" y="0"/>
+          <a:ext cx="0" cy="0"/>
+          <a:chOff x="0" y="0"/>
+          <a:chExt cx="0" cy="0"/>
+        </a:xfrm>
+      </p:grpSpPr>
+      <p:sp>
+        <p:nvSpPr>
+          <p:cNvPr id="44" name="CustomShape 1"/>
+          <p:cNvSpPr/>
+          <p:nvPr/>
+        </p:nvSpPr>
+        <p:spPr>
+          <a:xfrm>
+            <a:off x="360000" y="432000"/>
+            <a:ext cx="9876960" cy="4600440"/>
+          </a:xfrm>
+          <a:prstGeom prst="rect">
+            <a:avLst/>
+          </a:prstGeom>
+          <a:noFill/>
+          <a:ln>
+            <a:noFill/>
+          </a:ln>
+        </p:spPr>
+        <p:style>
+          <a:lnRef idx="0"/>
+          <a:fillRef idx="0"/>
+          <a:effectRef idx="0"/>
+          <a:fontRef idx="minor"/>
+        </p:style>
+        <p:txBody>
+          <a:bodyPr lIns="90000" rIns="90000" tIns="45000" bIns="45000">
+            <a:noAutofit/>
+          </a:bodyPr>
+          <a:p>
+            <a:pPr>
+              <a:lnSpc>
+                <a:spcPct val="100000"/>
+              </a:lnSpc>
+            </a:pPr>
+            <a:r>
+              <a:rPr b="0" lang="pt-BR" sz="4400" spc="-1" strike="noStrike">
+                <a:solidFill>
+                  <a:srgbClr val="000000"/>
+                </a:solidFill>
+                <a:latin typeface="Arial"/>
+                <a:ea typeface="DejaVu Sans"/>
+              </a:rPr>
+              <a:t>Descrição do processo negócio</a:t>
+            </a:r>
+            <a:endParaRPr b="0" lang="pt-BR" sz="4400" spc="-1" strike="noStrike">
+              <a:latin typeface="Arial"/>
+            </a:endParaRPr>
+          </a:p>
+          <a:p>
+            <a:pPr>
+              <a:lnSpc>
+                <a:spcPct val="100000"/>
+              </a:lnSpc>
+            </a:pPr>
+            <a:br/>
+            <a:r>
+              <a:rPr b="0" lang="pt-BR" sz="1800" spc="-1" strike="noStrike">
+                <a:solidFill>
+                  <a:srgbClr val="000000"/>
+                </a:solidFill>
+                <a:latin typeface="Arial"/>
+                <a:ea typeface="DejaVu Sans"/>
+              </a:rPr>
+              <a:t>Ajustar Traje a Rigor Emergencial</a:t>
+            </a:r>
+            <a:r>
+              <a:rPr b="1" lang="pt-BR" sz="1600" spc="-1" strike="noStrike">
+                <a:solidFill>
+                  <a:srgbClr val="000000"/>
+                </a:solidFill>
+                <a:latin typeface="Arial"/>
+                <a:ea typeface="DejaVu Sans"/>
+              </a:rPr>
+              <a:t>.</a:t>
+            </a:r>
+            <a:endParaRPr b="0" lang="pt-BR" sz="1600" spc="-1" strike="noStrike">
+              <a:latin typeface="Arial"/>
+            </a:endParaRPr>
+          </a:p>
+          <a:p>
+            <a:pPr>
+              <a:lnSpc>
+                <a:spcPct val="100000"/>
+              </a:lnSpc>
+            </a:pPr>
+            <a:endParaRPr b="0" lang="pt-BR" sz="1600" spc="-1" strike="noStrike">
+              <a:latin typeface="Arial"/>
+            </a:endParaRPr>
+          </a:p>
+          <a:p>
+            <a:pPr>
+              <a:lnSpc>
+                <a:spcPct val="100000"/>
+              </a:lnSpc>
+            </a:pPr>
+            <a:r>
+              <a:rPr b="1" lang="pt-BR" sz="1600" spc="-1" strike="noStrike">
+                <a:solidFill>
+                  <a:srgbClr val="000000"/>
+                </a:solidFill>
+                <a:latin typeface="Arial"/>
+                <a:ea typeface="DejaVu Sans"/>
+              </a:rPr>
+              <a:t>Evento: </a:t>
+            </a:r>
+            <a:r>
+              <a:rPr b="0" lang="pt-BR" sz="1600" spc="-1" strike="noStrike">
+                <a:solidFill>
+                  <a:srgbClr val="000000"/>
+                </a:solidFill>
+                <a:latin typeface="Arial"/>
+                <a:ea typeface="DejaVu Sans"/>
+              </a:rPr>
+              <a:t>Atendimento solicita novo ajuste + traje a rigor + ficha de medidas..</a:t>
+            </a:r>
+            <a:endParaRPr b="0" lang="pt-BR" sz="1600" spc="-1" strike="noStrike">
+              <a:latin typeface="Arial"/>
+            </a:endParaRPr>
+          </a:p>
+          <a:p>
+            <a:pPr>
+              <a:lnSpc>
+                <a:spcPct val="100000"/>
+              </a:lnSpc>
+            </a:pPr>
+            <a:endParaRPr b="0" lang="pt-BR" sz="1600" spc="-1" strike="noStrike">
+              <a:latin typeface="Arial"/>
+            </a:endParaRPr>
+          </a:p>
+          <a:p>
+            <a:pPr>
+              <a:lnSpc>
+                <a:spcPct val="100000"/>
+              </a:lnSpc>
+            </a:pPr>
+            <a:r>
+              <a:rPr b="1" lang="pt-BR" sz="1600" spc="-1" strike="noStrike">
+                <a:solidFill>
+                  <a:srgbClr val="000000"/>
+                </a:solidFill>
+                <a:latin typeface="Arial"/>
+                <a:ea typeface="DejaVu Sans"/>
+              </a:rPr>
+              <a:t>Objetivo:</a:t>
+            </a:r>
+            <a:r>
+              <a:rPr b="0" lang="pt-BR" sz="1600" spc="-1" strike="noStrike">
+                <a:solidFill>
+                  <a:srgbClr val="000000"/>
+                </a:solidFill>
+                <a:latin typeface="Arial"/>
+                <a:ea typeface="DejaVu Sans"/>
+              </a:rPr>
+              <a:t> Ajustar Emergencialmente traje a rigor para ser entregue para cliente..</a:t>
+            </a:r>
+            <a:endParaRPr b="0" lang="pt-BR" sz="1600" spc="-1" strike="noStrike">
+              <a:latin typeface="Arial"/>
+            </a:endParaRPr>
+          </a:p>
+          <a:p>
+            <a:pPr>
+              <a:lnSpc>
+                <a:spcPct val="100000"/>
+              </a:lnSpc>
+            </a:pPr>
+            <a:endParaRPr b="0" lang="pt-BR" sz="1600" spc="-1" strike="noStrike">
+              <a:latin typeface="Arial"/>
+            </a:endParaRPr>
+          </a:p>
+          <a:p>
+            <a:pPr>
+              <a:lnSpc>
+                <a:spcPct val="100000"/>
+              </a:lnSpc>
+            </a:pPr>
+            <a:r>
+              <a:rPr b="1" lang="pt-BR" sz="1600" spc="-1" strike="noStrike">
+                <a:solidFill>
+                  <a:srgbClr val="000000"/>
+                </a:solidFill>
+                <a:latin typeface="Arial"/>
+                <a:ea typeface="DejaVu Sans"/>
+              </a:rPr>
+              <a:t>Trabalhadores Envolvidos: Atendimento</a:t>
+            </a:r>
+            <a:endParaRPr b="0" lang="pt-BR" sz="1600" spc="-1" strike="noStrike">
+              <a:latin typeface="Arial"/>
+            </a:endParaRPr>
+          </a:p>
+          <a:p>
+            <a:pPr>
+              <a:lnSpc>
+                <a:spcPct val="100000"/>
+              </a:lnSpc>
+            </a:pPr>
+            <a:br/>
+            <a:r>
+              <a:rPr b="0" lang="pt-BR" sz="1600" spc="-1" strike="noStrike">
+                <a:solidFill>
+                  <a:srgbClr val="000000"/>
+                </a:solidFill>
+                <a:latin typeface="Calibri"/>
+                <a:ea typeface="DejaVu Sans"/>
+              </a:rPr>
+              <a:t>- Traje a rigor + ficha de medidas é entregue para novo ajuste emergencial na costura.</a:t>
+            </a:r>
+            <a:endParaRPr b="0" lang="pt-BR" sz="1600" spc="-1" strike="noStrike">
+              <a:latin typeface="Arial"/>
+            </a:endParaRPr>
+          </a:p>
+          <a:p>
+            <a:pPr>
+              <a:lnSpc>
+                <a:spcPct val="100000"/>
+              </a:lnSpc>
+            </a:pPr>
+            <a:endParaRPr b="0" lang="pt-BR" sz="1600" spc="-1" strike="noStrike">
+              <a:latin typeface="Arial"/>
+            </a:endParaRPr>
+          </a:p>
+          <a:p>
+            <a:pPr>
+              <a:lnSpc>
+                <a:spcPct val="100000"/>
+              </a:lnSpc>
+            </a:pPr>
+            <a:r>
+              <a:rPr b="0" lang="pt-BR" sz="1600" spc="-1" strike="noStrike">
+                <a:solidFill>
+                  <a:srgbClr val="000000"/>
+                </a:solidFill>
+                <a:latin typeface="Calibri"/>
+                <a:ea typeface="DejaVu Sans"/>
+              </a:rPr>
+              <a:t>- Costura devolve traje a rigor ajustado + ficha de medidas para atendimento.</a:t>
+            </a:r>
+            <a:endParaRPr b="0" lang="pt-BR" sz="1600" spc="-1" strike="noStrike">
+              <a:latin typeface="Arial"/>
+            </a:endParaRPr>
+          </a:p>
+        </p:txBody>
+      </p:sp>
+    </p:spTree>
+  </p:cSld>
+  <mc:AlternateContent>
+    <mc:Choice Requires="p14">
+      <p:transition spd="slow" p14:dur="2000"/>
+    </mc:Choice>
+    <mc:Fallback>
+      <p:transition spd="slow"/>
+    </mc:Fallback>
+  </mc:AlternateContent>
+</p:sld>
+</file>
+
+<file path=ppt/slides/slide8.xml><?xml version="1.0" encoding="utf-8"?>
+<p:sld xmlns:a="http://schemas.openxmlformats.org/drawingml/2006/main" xmlns:p="http://schemas.openxmlformats.org/presentationml/2006/main" xmlns:r="http://schemas.openxmlformats.org/officeDocument/2006/relationships" xmlns:p14="http://schemas.microsoft.com/office/powerpoint/2010/main" xmlns:p15="http://schemas.microsoft.com/office/powerpoint/2012/main" xmlns:mc="http://schemas.openxmlformats.org/markup-compatibility/2006">
+  <p:cSld>
+    <p:spTree>
+      <p:nvGrpSpPr>
+        <p:cNvPr id="1" name=""/>
+        <p:cNvGrpSpPr/>
+        <p:nvPr/>
+      </p:nvGrpSpPr>
+      <p:grpSpPr>
+        <a:xfrm>
+          <a:off x="0" y="0"/>
+          <a:ext cx="0" cy="0"/>
+          <a:chOff x="0" y="0"/>
+          <a:chExt cx="0" cy="0"/>
+        </a:xfrm>
+      </p:grpSpPr>
+      <p:sp>
+        <p:nvSpPr>
+          <p:cNvPr id="45" name="CustomShape 1"/>
+          <p:cNvSpPr/>
+          <p:nvPr/>
+        </p:nvSpPr>
+        <p:spPr>
+          <a:xfrm>
+            <a:off x="360000" y="432000"/>
+            <a:ext cx="9876960" cy="4600440"/>
+          </a:xfrm>
+          <a:prstGeom prst="rect">
+            <a:avLst/>
+          </a:prstGeom>
+          <a:noFill/>
+          <a:ln>
+            <a:noFill/>
+          </a:ln>
+        </p:spPr>
+        <p:style>
+          <a:lnRef idx="0"/>
+          <a:fillRef idx="0"/>
+          <a:effectRef idx="0"/>
+          <a:fontRef idx="minor"/>
+        </p:style>
+        <p:txBody>
+          <a:bodyPr lIns="90000" rIns="90000" tIns="45000" bIns="45000">
+            <a:noAutofit/>
+          </a:bodyPr>
+          <a:p>
+            <a:pPr>
+              <a:lnSpc>
+                <a:spcPct val="100000"/>
+              </a:lnSpc>
+            </a:pPr>
+            <a:r>
+              <a:rPr b="0" lang="pt-BR" sz="4400" spc="-1" strike="noStrike">
+                <a:solidFill>
+                  <a:srgbClr val="000000"/>
+                </a:solidFill>
+                <a:latin typeface="Arial"/>
+                <a:ea typeface="DejaVu Sans"/>
+              </a:rPr>
+              <a:t>(3º cenário) Descrição do processo negócio</a:t>
             </a:r>
             <a:endParaRPr b="0" lang="pt-BR" sz="4400" spc="-1" strike="noStrike">
               <a:latin typeface="Arial"/>

--- a/18 - Descrição dos Processo de Negocio.pptx
+++ b/18 - Descrição dos Processo de Negocio.pptx
@@ -1661,7 +1661,7 @@
         <p:spPr>
           <a:xfrm>
             <a:off x="360000" y="527760"/>
-            <a:ext cx="9876960" cy="4653720"/>
+            <a:ext cx="9876240" cy="4653000"/>
           </a:xfrm>
           <a:prstGeom prst="rect">
             <a:avLst/>
@@ -1995,7 +1995,7 @@
         <p:spPr>
           <a:xfrm>
             <a:off x="333000" y="420840"/>
-            <a:ext cx="9876960" cy="4370760"/>
+            <a:ext cx="9876240" cy="4370040"/>
           </a:xfrm>
           <a:prstGeom prst="rect">
             <a:avLst/>
@@ -2258,7 +2258,7 @@
         <p:spPr>
           <a:xfrm>
             <a:off x="360000" y="432000"/>
-            <a:ext cx="9876960" cy="4600440"/>
+            <a:ext cx="9876240" cy="4599720"/>
           </a:xfrm>
           <a:prstGeom prst="rect">
             <a:avLst/>
@@ -2306,7 +2306,7 @@
             </a:pPr>
             <a:br/>
             <a:r>
-              <a:rPr b="1" lang="pt-BR" sz="1800" spc="-1" strike="noStrike">
+              <a:rPr b="1" lang="pt-BR" sz="1600" spc="-1" strike="noStrike">
                 <a:solidFill>
                   <a:srgbClr val="000000"/>
                 </a:solidFill>
@@ -2561,7 +2561,7 @@
         <p:spPr>
           <a:xfrm>
             <a:off x="360000" y="432000"/>
-            <a:ext cx="9876960" cy="4600440"/>
+            <a:ext cx="9876240" cy="4599720"/>
           </a:xfrm>
           <a:prstGeom prst="rect">
             <a:avLst/>
@@ -2914,7 +2914,7 @@
         <p:spPr>
           <a:xfrm>
             <a:off x="360000" y="432000"/>
-            <a:ext cx="9876960" cy="4600440"/>
+            <a:ext cx="9876240" cy="4599720"/>
           </a:xfrm>
           <a:prstGeom prst="rect">
             <a:avLst/>
@@ -3079,7 +3079,7 @@
                 <a:latin typeface="Arial"/>
                 <a:ea typeface="DejaVu Sans"/>
               </a:rPr>
-              <a:t>Trabalhadores Envolvidos: Atendente | Costura</a:t>
+              <a:t>Trabalhadores Envolvidos: Atendente | Costureira</a:t>
             </a:r>
             <a:endParaRPr b="0" lang="pt-BR" sz="1600" spc="-1" strike="noStrike">
               <a:latin typeface="Arial"/>
@@ -3257,7 +3257,7 @@
         <p:spPr>
           <a:xfrm>
             <a:off x="360000" y="432000"/>
-            <a:ext cx="9876960" cy="4600440"/>
+            <a:ext cx="9876240" cy="4599720"/>
           </a:xfrm>
           <a:prstGeom prst="rect">
             <a:avLst/>
@@ -3352,7 +3352,7 @@
                 <a:latin typeface="Arial"/>
                 <a:ea typeface="DejaVu Sans"/>
               </a:rPr>
-              <a:t>Costura envia traje a rigor + ficha de medidas.</a:t>
+              <a:t>Costureira envia traje a rigor + ficha de medidas.</a:t>
             </a:r>
             <a:endParaRPr b="0" lang="pt-BR" sz="1600" spc="-1" strike="noStrike">
               <a:latin typeface="Arial"/>
@@ -3490,7 +3490,7 @@
         <p:spPr>
           <a:xfrm>
             <a:off x="360000" y="432000"/>
-            <a:ext cx="9876960" cy="4600440"/>
+            <a:ext cx="9876240" cy="4599720"/>
           </a:xfrm>
           <a:prstGeom prst="rect">
             <a:avLst/>
@@ -3538,7 +3538,7 @@
             </a:pPr>
             <a:br/>
             <a:r>
-              <a:rPr b="0" lang="pt-BR" sz="1800" spc="-1" strike="noStrike">
+              <a:rPr b="1" lang="pt-BR" sz="1600" spc="-1" strike="noStrike">
                 <a:solidFill>
                   <a:srgbClr val="000000"/>
                 </a:solidFill>
@@ -3595,7 +3595,7 @@
                 <a:latin typeface="Arial"/>
                 <a:ea typeface="DejaVu Sans"/>
               </a:rPr>
-              <a:t>Atendimento solicita novo ajuste + traje a rigor + ficha de medidas..</a:t>
+              <a:t>Atendimento solicita novo ajuste + traje a rigor + ficha de medidas.</a:t>
             </a:r>
             <a:endParaRPr b="0" lang="pt-BR" sz="1600" spc="-1" strike="noStrike">
               <a:latin typeface="Arial"/>
@@ -3635,7 +3635,7 @@
                 <a:latin typeface="Arial"/>
                 <a:ea typeface="DejaVu Sans"/>
               </a:rPr>
-              <a:t> Ajustar Emergencialmente traje a rigor para ser entregue para cliente..</a:t>
+              <a:t> Ajustar Emergencialmente traje a rigor para ser entregue ao cliente.</a:t>
             </a:r>
             <a:endParaRPr b="0" lang="pt-BR" sz="1600" spc="-1" strike="noStrike">
               <a:latin typeface="Arial"/>
@@ -3665,7 +3665,7 @@
                 <a:latin typeface="Arial"/>
                 <a:ea typeface="DejaVu Sans"/>
               </a:rPr>
-              <a:t>Trabalhadores Envolvidos: Atendimento</a:t>
+              <a:t>Trabalhadores Envolvidos: Costureira</a:t>
             </a:r>
             <a:endParaRPr b="0" lang="pt-BR" sz="1600" spc="-1" strike="noStrike">
               <a:latin typeface="Arial"/>
@@ -3686,7 +3686,7 @@
                 <a:latin typeface="Calibri"/>
                 <a:ea typeface="DejaVu Sans"/>
               </a:rPr>
-              <a:t>- Traje a rigor + ficha de medidas é entregue para novo ajuste emergencial na costura.</a:t>
+              <a:t>- Recebe Traje a rigor + ficha de medidas para novo ajuste emergencial.</a:t>
             </a:r>
             <a:endParaRPr b="0" lang="pt-BR" sz="1600" spc="-1" strike="noStrike">
               <a:latin typeface="Arial"/>
@@ -3716,7 +3716,37 @@
                 <a:latin typeface="Calibri"/>
                 <a:ea typeface="DejaVu Sans"/>
               </a:rPr>
-              <a:t>- Costura devolve traje a rigor ajustado + ficha de medidas para atendimento.</a:t>
+              <a:t>- Traje a Rigor é ajustado.</a:t>
+            </a:r>
+            <a:endParaRPr b="0" lang="pt-BR" sz="1600" spc="-1" strike="noStrike">
+              <a:latin typeface="Arial"/>
+            </a:endParaRPr>
+          </a:p>
+          <a:p>
+            <a:pPr>
+              <a:lnSpc>
+                <a:spcPct val="100000"/>
+              </a:lnSpc>
+            </a:pPr>
+            <a:endParaRPr b="0" lang="pt-BR" sz="1600" spc="-1" strike="noStrike">
+              <a:latin typeface="Arial"/>
+            </a:endParaRPr>
+          </a:p>
+          <a:p>
+            <a:pPr>
+              <a:lnSpc>
+                <a:spcPct val="100000"/>
+              </a:lnSpc>
+            </a:pPr>
+            <a:r>
+              <a:rPr b="0" lang="pt-BR" sz="1600" spc="-1" strike="noStrike">
+                <a:solidFill>
+                  <a:srgbClr val="000000"/>
+                </a:solidFill>
+                <a:latin typeface="Calibri"/>
+                <a:ea typeface="DejaVu Sans"/>
+              </a:rPr>
+              <a:t>- Traje a Rigor ajustado + ficha de medidas é devolvido para atendimento.</a:t>
             </a:r>
             <a:endParaRPr b="0" lang="pt-BR" sz="1600" spc="-1" strike="noStrike">
               <a:latin typeface="Arial"/>
@@ -3763,7 +3793,7 @@
         <p:spPr>
           <a:xfrm>
             <a:off x="360000" y="432000"/>
-            <a:ext cx="9876960" cy="4600440"/>
+            <a:ext cx="9876240" cy="4599720"/>
           </a:xfrm>
           <a:prstGeom prst="rect">
             <a:avLst/>
@@ -3797,7 +3827,7 @@
                 <a:latin typeface="Arial"/>
                 <a:ea typeface="DejaVu Sans"/>
               </a:rPr>
-              <a:t>(3º cenário) Descrição do processo negócio</a:t>
+              <a:t>Descrição do processo negócio</a:t>
             </a:r>
             <a:endParaRPr b="0" lang="pt-BR" sz="4400" spc="-1" strike="noStrike">
               <a:latin typeface="Arial"/>
@@ -3811,16 +3841,6 @@
             </a:pPr>
             <a:br/>
             <a:r>
-              <a:rPr b="1" lang="pt-BR" sz="1800" spc="-1" strike="noStrike">
-                <a:solidFill>
-                  <a:srgbClr val="000000"/>
-                </a:solidFill>
-                <a:latin typeface="Arial"/>
-                <a:ea typeface="DejaVu Sans"/>
-              </a:rPr>
-              <a:t>Devolver</a:t>
-            </a:r>
-            <a:r>
               <a:rPr b="1" lang="pt-BR" sz="1600" spc="-1" strike="noStrike">
                 <a:solidFill>
                   <a:srgbClr val="000000"/>
@@ -3828,28 +3848,8 @@
                 <a:latin typeface="Arial"/>
                 <a:ea typeface="DejaVu Sans"/>
               </a:rPr>
-              <a:t> Traje a Rigor</a:t>
-            </a:r>
-            <a:endParaRPr b="0" lang="pt-BR" sz="1600" spc="-1" strike="noStrike">
-              <a:latin typeface="Arial"/>
-            </a:endParaRPr>
-          </a:p>
-          <a:p>
-            <a:pPr>
-              <a:lnSpc>
-                <a:spcPct val="100000"/>
-              </a:lnSpc>
-            </a:pPr>
-            <a:endParaRPr b="0" lang="pt-BR" sz="1600" spc="-1" strike="noStrike">
-              <a:latin typeface="Arial"/>
-            </a:endParaRPr>
-          </a:p>
-          <a:p>
-            <a:pPr>
-              <a:lnSpc>
-                <a:spcPct val="100000"/>
-              </a:lnSpc>
-            </a:pPr>
+              <a:t>Tratar devolução do Traje a Rigor</a:t>
+            </a:r>
             <a:r>
               <a:rPr b="1" lang="pt-BR" sz="1600" spc="-1" strike="noStrike">
                 <a:solidFill>
@@ -3858,6 +3858,36 @@
                 <a:latin typeface="Arial"/>
                 <a:ea typeface="DejaVu Sans"/>
               </a:rPr>
+              <a:t>.</a:t>
+            </a:r>
+            <a:endParaRPr b="0" lang="pt-BR" sz="1600" spc="-1" strike="noStrike">
+              <a:latin typeface="Arial"/>
+            </a:endParaRPr>
+          </a:p>
+          <a:p>
+            <a:pPr>
+              <a:lnSpc>
+                <a:spcPct val="100000"/>
+              </a:lnSpc>
+            </a:pPr>
+            <a:endParaRPr b="0" lang="pt-BR" sz="1600" spc="-1" strike="noStrike">
+              <a:latin typeface="Arial"/>
+            </a:endParaRPr>
+          </a:p>
+          <a:p>
+            <a:pPr>
+              <a:lnSpc>
+                <a:spcPct val="100000"/>
+              </a:lnSpc>
+            </a:pPr>
+            <a:r>
+              <a:rPr b="1" lang="pt-BR" sz="1600" spc="-1" strike="noStrike">
+                <a:solidFill>
+                  <a:srgbClr val="000000"/>
+                </a:solidFill>
+                <a:latin typeface="Arial"/>
+                <a:ea typeface="DejaVu Sans"/>
+              </a:rPr>
               <a:t>Evento: </a:t>
             </a:r>
             <a:r>
@@ -3868,7 +3898,87 @@
                 <a:latin typeface="Arial"/>
                 <a:ea typeface="DejaVu Sans"/>
               </a:rPr>
-              <a:t>Cliente devolve traje a rigor + contrato assinado + recibo.</a:t>
+              <a:t>Cliente solicita a devolução do traje a rigor</a:t>
+            </a:r>
+            <a:r>
+              <a:rPr b="0" lang="pt-BR" sz="1600" spc="-1" strike="noStrike">
+                <a:solidFill>
+                  <a:srgbClr val="000000"/>
+                </a:solidFill>
+                <a:latin typeface="Arial"/>
+                <a:ea typeface="DejaVu Sans"/>
+              </a:rPr>
+              <a:t>.</a:t>
+            </a:r>
+            <a:endParaRPr b="0" lang="pt-BR" sz="1600" spc="-1" strike="noStrike">
+              <a:latin typeface="Arial"/>
+            </a:endParaRPr>
+          </a:p>
+          <a:p>
+            <a:pPr>
+              <a:lnSpc>
+                <a:spcPct val="100000"/>
+              </a:lnSpc>
+            </a:pPr>
+            <a:endParaRPr b="0" lang="pt-BR" sz="1600" spc="-1" strike="noStrike">
+              <a:latin typeface="Arial"/>
+            </a:endParaRPr>
+          </a:p>
+          <a:p>
+            <a:pPr>
+              <a:lnSpc>
+                <a:spcPct val="100000"/>
+              </a:lnSpc>
+            </a:pPr>
+            <a:r>
+              <a:rPr b="1" lang="pt-BR" sz="1600" spc="-1" strike="noStrike">
+                <a:solidFill>
+                  <a:srgbClr val="000000"/>
+                </a:solidFill>
+                <a:latin typeface="Arial"/>
+                <a:ea typeface="DejaVu Sans"/>
+              </a:rPr>
+              <a:t>Objetivo: </a:t>
+            </a:r>
+            <a:r>
+              <a:rPr b="0" lang="pt-BR" sz="1600" spc="-1" strike="noStrike">
+                <a:solidFill>
+                  <a:srgbClr val="000000"/>
+                </a:solidFill>
+                <a:latin typeface="Arial"/>
+                <a:ea typeface="DejaVu Sans"/>
+              </a:rPr>
+              <a:t>Recepcionar e verificar as condições do traje a rigor.</a:t>
+            </a:r>
+            <a:endParaRPr b="0" lang="pt-BR" sz="1600" spc="-1" strike="noStrike">
+              <a:latin typeface="Arial"/>
+            </a:endParaRPr>
+          </a:p>
+          <a:p>
+            <a:pPr>
+              <a:lnSpc>
+                <a:spcPct val="100000"/>
+              </a:lnSpc>
+            </a:pPr>
+            <a:endParaRPr b="0" lang="pt-BR" sz="1600" spc="-1" strike="noStrike">
+              <a:latin typeface="Arial"/>
+            </a:endParaRPr>
+          </a:p>
+          <a:p>
+            <a:pPr>
+              <a:lnSpc>
+                <a:spcPct val="100000"/>
+              </a:lnSpc>
+            </a:pPr>
+            <a:r>
+              <a:rPr b="1" lang="pt-BR" sz="1600" spc="-1" strike="noStrike">
+                <a:solidFill>
+                  <a:srgbClr val="000000"/>
+                </a:solidFill>
+                <a:latin typeface="Arial"/>
+                <a:ea typeface="DejaVu Sans"/>
+              </a:rPr>
+              <a:t>Trabalhadores Envolvidos: Caixa</a:t>
             </a:r>
             <a:endParaRPr b="0" lang="pt-BR" sz="1600" spc="-1" strike="noStrike">
               <a:latin typeface="Arial"/>
@@ -3882,79 +3992,6 @@
             </a:pPr>
             <a:br/>
             <a:r>
-              <a:rPr b="1" lang="pt-BR" sz="1600" spc="-1" strike="noStrike">
-                <a:solidFill>
-                  <a:srgbClr val="000000"/>
-                </a:solidFill>
-                <a:latin typeface="Arial"/>
-                <a:ea typeface="DejaVu Sans"/>
-              </a:rPr>
-              <a:t>Objetivo: </a:t>
-            </a:r>
-            <a:r>
-              <a:rPr b="0" lang="pt-BR" sz="1600" spc="-1" strike="noStrike">
-                <a:solidFill>
-                  <a:srgbClr val="000000"/>
-                </a:solidFill>
-                <a:latin typeface="Arial"/>
-                <a:ea typeface="DejaVu Sans"/>
-              </a:rPr>
-              <a:t>Recepcionar a devolução do Traje a Rigor.</a:t>
-            </a:r>
-            <a:endParaRPr b="0" lang="pt-BR" sz="1600" spc="-1" strike="noStrike">
-              <a:latin typeface="Arial"/>
-            </a:endParaRPr>
-          </a:p>
-          <a:p>
-            <a:pPr>
-              <a:lnSpc>
-                <a:spcPct val="100000"/>
-              </a:lnSpc>
-            </a:pPr>
-            <a:endParaRPr b="0" lang="pt-BR" sz="1600" spc="-1" strike="noStrike">
-              <a:latin typeface="Arial"/>
-            </a:endParaRPr>
-          </a:p>
-          <a:p>
-            <a:pPr>
-              <a:lnSpc>
-                <a:spcPct val="100000"/>
-              </a:lnSpc>
-            </a:pPr>
-            <a:r>
-              <a:rPr b="1" lang="pt-BR" sz="1600" spc="-1" strike="noStrike">
-                <a:solidFill>
-                  <a:srgbClr val="000000"/>
-                </a:solidFill>
-                <a:latin typeface="Arial"/>
-                <a:ea typeface="DejaVu Sans"/>
-              </a:rPr>
-              <a:t>Trabalhadores Envolvidos: Caixa</a:t>
-            </a:r>
-            <a:br/>
-            <a:br/>
-            <a:r>
-              <a:rPr b="0" lang="pt-BR" sz="1600" spc="-1" strike="noStrike">
-                <a:solidFill>
-                  <a:srgbClr val="000000"/>
-                </a:solidFill>
-                <a:latin typeface="Arial"/>
-                <a:ea typeface="DejaVu Sans"/>
-              </a:rPr>
-              <a:t>- É verificada a data de entregua do traje a rigor</a:t>
-            </a:r>
-            <a:br/>
-            <a:endParaRPr b="0" lang="pt-BR" sz="1600" spc="-1" strike="noStrike">
-              <a:latin typeface="Arial"/>
-            </a:endParaRPr>
-          </a:p>
-          <a:p>
-            <a:pPr>
-              <a:lnSpc>
-                <a:spcPct val="100000"/>
-              </a:lnSpc>
-            </a:pPr>
-            <a:r>
               <a:rPr b="0" lang="pt-BR" sz="1600" spc="-1" strike="noStrike">
                 <a:solidFill>
                   <a:srgbClr val="000000"/>
@@ -3962,7 +3999,7 @@
                 <a:latin typeface="Calibri"/>
                 <a:ea typeface="DejaVu Sans"/>
               </a:rPr>
-              <a:t>- É verificadao se o traje a rigor devolvido está nas condições combinadas conforme contrato de locação.</a:t>
+              <a:t>- Recebe traje a rigor do cliente.</a:t>
             </a:r>
             <a:endParaRPr b="0" lang="pt-BR" sz="1600" spc="-1" strike="noStrike">
               <a:latin typeface="Arial"/>
@@ -3992,18 +4029,68 @@
                 <a:latin typeface="Calibri"/>
                 <a:ea typeface="DejaVu Sans"/>
               </a:rPr>
-              <a:t>- Caixa entrega 2º via do contrato + recibo para cliente</a:t>
-            </a:r>
-            <a:endParaRPr b="0" lang="pt-BR" sz="1600" spc="-1" strike="noStrike">
-              <a:latin typeface="Arial"/>
-            </a:endParaRPr>
-          </a:p>
-          <a:p>
-            <a:pPr>
-              <a:lnSpc>
-                <a:spcPct val="100000"/>
-              </a:lnSpc>
-            </a:pPr>
+              <a:t>- Confere se todas as peças estão corretas conforme locação.</a:t>
+            </a:r>
+            <a:endParaRPr b="0" lang="pt-BR" sz="1600" spc="-1" strike="noStrike">
+              <a:latin typeface="Arial"/>
+            </a:endParaRPr>
+          </a:p>
+          <a:p>
+            <a:pPr>
+              <a:lnSpc>
+                <a:spcPct val="100000"/>
+              </a:lnSpc>
+            </a:pPr>
+            <a:r>
+              <a:rPr b="0" lang="pt-BR" sz="1600" spc="-1" strike="noStrike">
+                <a:solidFill>
+                  <a:srgbClr val="000000"/>
+                </a:solidFill>
+                <a:latin typeface="Calibri"/>
+                <a:ea typeface="DejaVu Sans"/>
+              </a:rPr>
+              <a:t>	</a:t>
+            </a:r>
+            <a:r>
+              <a:rPr b="0" lang="pt-BR" sz="1600" spc="-1" strike="noStrike">
+                <a:solidFill>
+                  <a:srgbClr val="000000"/>
+                </a:solidFill>
+                <a:latin typeface="Calibri"/>
+                <a:ea typeface="DejaVu Sans"/>
+              </a:rPr>
+              <a:t>- Se as peças não estiverem corretas e em bom estado é efetuada a recusa. </a:t>
+            </a:r>
+            <a:endParaRPr b="0" lang="pt-BR" sz="1600" spc="-1" strike="noStrike">
+              <a:latin typeface="Arial"/>
+            </a:endParaRPr>
+          </a:p>
+          <a:p>
+            <a:pPr>
+              <a:lnSpc>
+                <a:spcPct val="100000"/>
+              </a:lnSpc>
+            </a:pPr>
+            <a:endParaRPr b="0" lang="pt-BR" sz="1600" spc="-1" strike="noStrike">
+              <a:latin typeface="Arial"/>
+            </a:endParaRPr>
+          </a:p>
+          <a:p>
+            <a:pPr>
+              <a:lnSpc>
+                <a:spcPct val="100000"/>
+              </a:lnSpc>
+            </a:pPr>
+            <a:r>
+              <a:rPr b="0" lang="pt-BR" sz="1600" spc="-1" strike="noStrike">
+                <a:solidFill>
+                  <a:srgbClr val="000000"/>
+                </a:solidFill>
+                <a:latin typeface="Calibri"/>
+                <a:ea typeface="DejaVu Sans"/>
+              </a:rPr>
+              <a:t>- Separa o traje a rigor para ser devolvido no estoque.</a:t>
+            </a:r>
             <a:endParaRPr b="0" lang="pt-BR" sz="1600" spc="-1" strike="noStrike">
               <a:latin typeface="Arial"/>
             </a:endParaRPr>
